--- a/download/Inferno_Tech_Talk_Sep_13.pptx
+++ b/download/Inferno_Tech_Talk_Sep_13.pptx
@@ -7,10 +7,10 @@
     <p:sldMasterId id="2147483823" r:id="rId6"/>
   </p:sldMasterIdLst>
   <p:notesMasterIdLst>
-    <p:notesMasterId r:id="rId17"/>
+    <p:notesMasterId r:id="rId18"/>
   </p:notesMasterIdLst>
   <p:handoutMasterIdLst>
-    <p:handoutMasterId r:id="rId18"/>
+    <p:handoutMasterId r:id="rId19"/>
   </p:handoutMasterIdLst>
   <p:sldIdLst>
     <p:sldId id="367" r:id="rId7"/>
@@ -23,6 +23,7 @@
     <p:sldId id="579" r:id="rId14"/>
     <p:sldId id="402" r:id="rId15"/>
     <p:sldId id="410" r:id="rId16"/>
+    <p:sldId id="623" r:id="rId17"/>
   </p:sldIdLst>
   <p:sldSz cx="12192000" cy="6858000"/>
   <p:notesSz cx="7026275" cy="9312275"/>
@@ -136,6 +137,7 @@
             <p14:sldId id="579"/>
             <p14:sldId id="402"/>
             <p14:sldId id="410"/>
+            <p14:sldId id="623"/>
           </p14:sldIdLst>
         </p14:section>
       </p14:sectionLst>
@@ -190,762 +192,33 @@
 <file path=ppt/changesInfos/changesInfo1.xml><?xml version="1.0" encoding="utf-8"?>
 <pc:chgInfo xmlns:a="http://schemas.openxmlformats.org/drawingml/2006/main" xmlns:r="http://schemas.openxmlformats.org/officeDocument/2006/relationships" xmlns:ac="http://schemas.microsoft.com/office/drawing/2013/main/command" xmlns:pc="http://schemas.microsoft.com/office/powerpoint/2013/main/command">
   <pc:docChgLst>
-    <pc:chgData name="Robert C Scanlon" userId="87c65fe5-daa8-4da7-88d7-94f711cfd484" providerId="ADAL" clId="{FCBF4661-391E-394D-92F5-E1CE4094A0D1}"/>
-    <pc:docChg chg="custSel addSld delSld modSld modSection">
-      <pc:chgData name="Robert C Scanlon" userId="87c65fe5-daa8-4da7-88d7-94f711cfd484" providerId="ADAL" clId="{FCBF4661-391E-394D-92F5-E1CE4094A0D1}" dt="2023-09-13T16:52:19.883" v="1341" actId="20577"/>
+    <pc:chgData name="Robert C Scanlon" userId="S::rscanlon@mitre.org::87c65fe5-daa8-4da7-88d7-94f711cfd484" providerId="AD" clId="Web-{566D86F9-551D-2900-713E-C871EB920655}"/>
+    <pc:docChg chg="addSld modSld modSection">
+      <pc:chgData name="Robert C Scanlon" userId="S::rscanlon@mitre.org::87c65fe5-daa8-4da7-88d7-94f711cfd484" providerId="AD" clId="Web-{566D86F9-551D-2900-713E-C871EB920655}" dt="2023-04-12T16:16:44.753" v="70"/>
       <pc:docMkLst>
         <pc:docMk/>
       </pc:docMkLst>
-      <pc:sldChg chg="modSp mod">
-        <pc:chgData name="Robert C Scanlon" userId="87c65fe5-daa8-4da7-88d7-94f711cfd484" providerId="ADAL" clId="{FCBF4661-391E-394D-92F5-E1CE4094A0D1}" dt="2023-09-13T14:47:50.628" v="30" actId="20577"/>
-        <pc:sldMkLst>
-          <pc:docMk/>
-          <pc:sldMk cId="171403637" sldId="367"/>
-        </pc:sldMkLst>
-        <pc:spChg chg="mod">
-          <ac:chgData name="Robert C Scanlon" userId="87c65fe5-daa8-4da7-88d7-94f711cfd484" providerId="ADAL" clId="{FCBF4661-391E-394D-92F5-E1CE4094A0D1}" dt="2023-09-13T14:47:43.808" v="14" actId="20577"/>
-          <ac:spMkLst>
-            <pc:docMk/>
-            <pc:sldMk cId="171403637" sldId="367"/>
-            <ac:spMk id="11" creationId="{F9B77AE9-225F-48B2-BA99-84435A6064AD}"/>
-          </ac:spMkLst>
-        </pc:spChg>
-        <pc:spChg chg="mod">
-          <ac:chgData name="Robert C Scanlon" userId="87c65fe5-daa8-4da7-88d7-94f711cfd484" providerId="ADAL" clId="{FCBF4661-391E-394D-92F5-E1CE4094A0D1}" dt="2023-09-13T14:47:50.628" v="30" actId="20577"/>
-          <ac:spMkLst>
-            <pc:docMk/>
-            <pc:sldMk cId="171403637" sldId="367"/>
-            <ac:spMk id="12" creationId="{7DDF988F-A5F6-437B-A882-E9FEF1C20A78}"/>
-          </ac:spMkLst>
-        </pc:spChg>
-      </pc:sldChg>
-      <pc:sldChg chg="modSp mod">
-        <pc:chgData name="Robert C Scanlon" userId="87c65fe5-daa8-4da7-88d7-94f711cfd484" providerId="ADAL" clId="{FCBF4661-391E-394D-92F5-E1CE4094A0D1}" dt="2023-09-13T14:47:56.312" v="32" actId="20577"/>
-        <pc:sldMkLst>
-          <pc:docMk/>
-          <pc:sldMk cId="644276027" sldId="400"/>
-        </pc:sldMkLst>
-        <pc:spChg chg="mod">
-          <ac:chgData name="Robert C Scanlon" userId="87c65fe5-daa8-4da7-88d7-94f711cfd484" providerId="ADAL" clId="{FCBF4661-391E-394D-92F5-E1CE4094A0D1}" dt="2023-09-13T14:47:56.312" v="32" actId="20577"/>
-          <ac:spMkLst>
-            <pc:docMk/>
-            <pc:sldMk cId="644276027" sldId="400"/>
-            <ac:spMk id="4" creationId="{5481D4A7-8373-6840-BED9-F0655E985BE1}"/>
-          </ac:spMkLst>
-        </pc:spChg>
-      </pc:sldChg>
-      <pc:sldChg chg="modSp mod">
-        <pc:chgData name="Robert C Scanlon" userId="87c65fe5-daa8-4da7-88d7-94f711cfd484" providerId="ADAL" clId="{FCBF4661-391E-394D-92F5-E1CE4094A0D1}" dt="2023-09-13T16:52:19.883" v="1341" actId="20577"/>
-        <pc:sldMkLst>
-          <pc:docMk/>
-          <pc:sldMk cId="2774878609" sldId="410"/>
-        </pc:sldMkLst>
-        <pc:spChg chg="mod">
-          <ac:chgData name="Robert C Scanlon" userId="87c65fe5-daa8-4da7-88d7-94f711cfd484" providerId="ADAL" clId="{FCBF4661-391E-394D-92F5-E1CE4094A0D1}" dt="2023-09-13T16:52:19.883" v="1341" actId="20577"/>
-          <ac:spMkLst>
-            <pc:docMk/>
-            <pc:sldMk cId="2774878609" sldId="410"/>
-            <ac:spMk id="4" creationId="{912C2DC4-E347-394E-8CF8-F14848A56B5B}"/>
-          </ac:spMkLst>
-        </pc:spChg>
-      </pc:sldChg>
-      <pc:sldChg chg="modSp mod">
-        <pc:chgData name="Robert C Scanlon" userId="87c65fe5-daa8-4da7-88d7-94f711cfd484" providerId="ADAL" clId="{FCBF4661-391E-394D-92F5-E1CE4094A0D1}" dt="2023-09-13T16:31:04.058" v="668" actId="20577"/>
-        <pc:sldMkLst>
-          <pc:docMk/>
-          <pc:sldMk cId="4021805368" sldId="554"/>
-        </pc:sldMkLst>
-        <pc:spChg chg="mod">
-          <ac:chgData name="Robert C Scanlon" userId="87c65fe5-daa8-4da7-88d7-94f711cfd484" providerId="ADAL" clId="{FCBF4661-391E-394D-92F5-E1CE4094A0D1}" dt="2023-09-13T14:48:17.607" v="36" actId="20577"/>
-          <ac:spMkLst>
-            <pc:docMk/>
-            <pc:sldMk cId="4021805368" sldId="554"/>
-            <ac:spMk id="3" creationId="{1D524D76-16E9-E24B-93EE-2004D6252CE6}"/>
-          </ac:spMkLst>
-        </pc:spChg>
-        <pc:spChg chg="mod">
-          <ac:chgData name="Robert C Scanlon" userId="87c65fe5-daa8-4da7-88d7-94f711cfd484" providerId="ADAL" clId="{FCBF4661-391E-394D-92F5-E1CE4094A0D1}" dt="2023-09-13T16:30:52.605" v="666" actId="20577"/>
-          <ac:spMkLst>
-            <pc:docMk/>
-            <pc:sldMk cId="4021805368" sldId="554"/>
-            <ac:spMk id="5" creationId="{EEC14650-1795-1D49-A7D8-2B1E052DEE1A}"/>
-          </ac:spMkLst>
-        </pc:spChg>
-        <pc:spChg chg="mod">
-          <ac:chgData name="Robert C Scanlon" userId="87c65fe5-daa8-4da7-88d7-94f711cfd484" providerId="ADAL" clId="{FCBF4661-391E-394D-92F5-E1CE4094A0D1}" dt="2023-09-13T16:31:04.058" v="668" actId="20577"/>
-          <ac:spMkLst>
-            <pc:docMk/>
-            <pc:sldMk cId="4021805368" sldId="554"/>
-            <ac:spMk id="8" creationId="{48FEFF3A-93B4-45CF-0D21-DF2779AED5D5}"/>
-          </ac:spMkLst>
-        </pc:spChg>
-      </pc:sldChg>
-      <pc:sldChg chg="del">
-        <pc:chgData name="Robert C Scanlon" userId="87c65fe5-daa8-4da7-88d7-94f711cfd484" providerId="ADAL" clId="{FCBF4661-391E-394D-92F5-E1CE4094A0D1}" dt="2023-09-13T16:31:14.738" v="670" actId="2696"/>
-        <pc:sldMkLst>
-          <pc:docMk/>
-          <pc:sldMk cId="2666709789" sldId="557"/>
-        </pc:sldMkLst>
-      </pc:sldChg>
-      <pc:sldChg chg="modSp mod">
-        <pc:chgData name="Robert C Scanlon" userId="87c65fe5-daa8-4da7-88d7-94f711cfd484" providerId="ADAL" clId="{FCBF4661-391E-394D-92F5-E1CE4094A0D1}" dt="2023-09-13T16:35:42.285" v="1309" actId="20577"/>
-        <pc:sldMkLst>
-          <pc:docMk/>
-          <pc:sldMk cId="4204798997" sldId="598"/>
-        </pc:sldMkLst>
-        <pc:spChg chg="mod">
-          <ac:chgData name="Robert C Scanlon" userId="87c65fe5-daa8-4da7-88d7-94f711cfd484" providerId="ADAL" clId="{FCBF4661-391E-394D-92F5-E1CE4094A0D1}" dt="2023-09-13T16:31:18.896" v="676" actId="20577"/>
-          <ac:spMkLst>
-            <pc:docMk/>
-            <pc:sldMk cId="4204798997" sldId="598"/>
-            <ac:spMk id="3" creationId="{BCE07320-2A8F-1BB5-23DA-B5346C915CF4}"/>
-          </ac:spMkLst>
-        </pc:spChg>
-        <pc:spChg chg="mod">
-          <ac:chgData name="Robert C Scanlon" userId="87c65fe5-daa8-4da7-88d7-94f711cfd484" providerId="ADAL" clId="{FCBF4661-391E-394D-92F5-E1CE4094A0D1}" dt="2023-09-13T16:35:42.285" v="1309" actId="20577"/>
-          <ac:spMkLst>
-            <pc:docMk/>
-            <pc:sldMk cId="4204798997" sldId="598"/>
-            <ac:spMk id="4" creationId="{06651D22-9509-BE22-6202-8EA67CFDAC6F}"/>
-          </ac:spMkLst>
-        </pc:spChg>
-      </pc:sldChg>
-      <pc:sldChg chg="del">
-        <pc:chgData name="Robert C Scanlon" userId="87c65fe5-daa8-4da7-88d7-94f711cfd484" providerId="ADAL" clId="{FCBF4661-391E-394D-92F5-E1CE4094A0D1}" dt="2023-09-13T16:31:14.752" v="673" actId="2696"/>
-        <pc:sldMkLst>
-          <pc:docMk/>
-          <pc:sldMk cId="4054617594" sldId="602"/>
-        </pc:sldMkLst>
-      </pc:sldChg>
-      <pc:sldChg chg="del">
-        <pc:chgData name="Robert C Scanlon" userId="87c65fe5-daa8-4da7-88d7-94f711cfd484" providerId="ADAL" clId="{FCBF4661-391E-394D-92F5-E1CE4094A0D1}" dt="2023-09-13T16:31:14.740" v="671" actId="2696"/>
-        <pc:sldMkLst>
-          <pc:docMk/>
-          <pc:sldMk cId="1142398699" sldId="603"/>
-        </pc:sldMkLst>
-      </pc:sldChg>
-      <pc:sldChg chg="del">
-        <pc:chgData name="Robert C Scanlon" userId="87c65fe5-daa8-4da7-88d7-94f711cfd484" providerId="ADAL" clId="{FCBF4661-391E-394D-92F5-E1CE4094A0D1}" dt="2023-09-13T16:31:14.741" v="672" actId="2696"/>
-        <pc:sldMkLst>
-          <pc:docMk/>
-          <pc:sldMk cId="1830281673" sldId="604"/>
-        </pc:sldMkLst>
-      </pc:sldChg>
-      <pc:sldChg chg="addSp modSp new mod">
-        <pc:chgData name="Robert C Scanlon" userId="87c65fe5-daa8-4da7-88d7-94f711cfd484" providerId="ADAL" clId="{FCBF4661-391E-394D-92F5-E1CE4094A0D1}" dt="2023-09-13T16:38:56.865" v="1313" actId="20577"/>
-        <pc:sldMkLst>
-          <pc:docMk/>
-          <pc:sldMk cId="197126652" sldId="605"/>
-        </pc:sldMkLst>
-        <pc:spChg chg="mod">
-          <ac:chgData name="Robert C Scanlon" userId="87c65fe5-daa8-4da7-88d7-94f711cfd484" providerId="ADAL" clId="{FCBF4661-391E-394D-92F5-E1CE4094A0D1}" dt="2023-09-13T16:38:56.865" v="1313" actId="20577"/>
-          <ac:spMkLst>
-            <pc:docMk/>
-            <pc:sldMk cId="197126652" sldId="605"/>
-            <ac:spMk id="3" creationId="{2EA5CA43-5C33-2A5D-09E5-CDF4E2DB6577}"/>
-          </ac:spMkLst>
-        </pc:spChg>
-        <pc:spChg chg="mod">
-          <ac:chgData name="Robert C Scanlon" userId="87c65fe5-daa8-4da7-88d7-94f711cfd484" providerId="ADAL" clId="{FCBF4661-391E-394D-92F5-E1CE4094A0D1}" dt="2023-09-13T16:29:33.822" v="496" actId="20577"/>
-          <ac:spMkLst>
-            <pc:docMk/>
-            <pc:sldMk cId="197126652" sldId="605"/>
-            <ac:spMk id="4" creationId="{C66710A3-E780-41D3-A403-2828884FC524}"/>
-          </ac:spMkLst>
-        </pc:spChg>
-        <pc:picChg chg="add mod">
-          <ac:chgData name="Robert C Scanlon" userId="87c65fe5-daa8-4da7-88d7-94f711cfd484" providerId="ADAL" clId="{FCBF4661-391E-394D-92F5-E1CE4094A0D1}" dt="2023-09-13T16:38:48.229" v="1312" actId="1076"/>
-          <ac:picMkLst>
-            <pc:docMk/>
-            <pc:sldMk cId="197126652" sldId="605"/>
-            <ac:picMk id="6" creationId="{A8D38066-0E62-9D20-4523-1B90387D39F3}"/>
-          </ac:picMkLst>
-        </pc:picChg>
-      </pc:sldChg>
-      <pc:sldChg chg="addSp modSp new mod">
-        <pc:chgData name="Robert C Scanlon" userId="87c65fe5-daa8-4da7-88d7-94f711cfd484" providerId="ADAL" clId="{FCBF4661-391E-394D-92F5-E1CE4094A0D1}" dt="2023-09-13T16:51:43.303" v="1332" actId="1076"/>
-        <pc:sldMkLst>
-          <pc:docMk/>
-          <pc:sldMk cId="3992311794" sldId="606"/>
-        </pc:sldMkLst>
-        <pc:spChg chg="mod">
-          <ac:chgData name="Robert C Scanlon" userId="87c65fe5-daa8-4da7-88d7-94f711cfd484" providerId="ADAL" clId="{FCBF4661-391E-394D-92F5-E1CE4094A0D1}" dt="2023-09-13T16:39:05.996" v="1318" actId="20577"/>
-          <ac:spMkLst>
-            <pc:docMk/>
-            <pc:sldMk cId="3992311794" sldId="606"/>
-            <ac:spMk id="3" creationId="{AEE98450-B81B-A902-411C-4DB57131EF9E}"/>
-          </ac:spMkLst>
-        </pc:spChg>
-        <pc:spChg chg="mod">
-          <ac:chgData name="Robert C Scanlon" userId="87c65fe5-daa8-4da7-88d7-94f711cfd484" providerId="ADAL" clId="{FCBF4661-391E-394D-92F5-E1CE4094A0D1}" dt="2023-09-13T16:29:19.014" v="494"/>
-          <ac:spMkLst>
-            <pc:docMk/>
-            <pc:sldMk cId="3992311794" sldId="606"/>
-            <ac:spMk id="4" creationId="{A06831B6-C8AF-FE87-642C-02EB15CA5601}"/>
-          </ac:spMkLst>
-        </pc:spChg>
-        <pc:spChg chg="add mod">
-          <ac:chgData name="Robert C Scanlon" userId="87c65fe5-daa8-4da7-88d7-94f711cfd484" providerId="ADAL" clId="{FCBF4661-391E-394D-92F5-E1CE4094A0D1}" dt="2023-09-13T16:47:00.340" v="1326" actId="1076"/>
-          <ac:spMkLst>
-            <pc:docMk/>
-            <pc:sldMk cId="3992311794" sldId="606"/>
-            <ac:spMk id="7" creationId="{F83DFDE2-797B-79D8-CD95-FE43AA2E6764}"/>
-          </ac:spMkLst>
-        </pc:spChg>
-        <pc:picChg chg="add mod">
-          <ac:chgData name="Robert C Scanlon" userId="87c65fe5-daa8-4da7-88d7-94f711cfd484" providerId="ADAL" clId="{FCBF4661-391E-394D-92F5-E1CE4094A0D1}" dt="2023-09-13T16:51:43.303" v="1332" actId="1076"/>
-          <ac:picMkLst>
-            <pc:docMk/>
-            <pc:sldMk cId="3992311794" sldId="606"/>
-            <ac:picMk id="6" creationId="{CCBF52B7-9DEE-76E8-BFF6-8F6168977737}"/>
-          </ac:picMkLst>
-        </pc:picChg>
-        <pc:picChg chg="add mod">
-          <ac:chgData name="Robert C Scanlon" userId="87c65fe5-daa8-4da7-88d7-94f711cfd484" providerId="ADAL" clId="{FCBF4661-391E-394D-92F5-E1CE4094A0D1}" dt="2023-09-13T16:51:43.303" v="1332" actId="1076"/>
-          <ac:picMkLst>
-            <pc:docMk/>
-            <pc:sldMk cId="3992311794" sldId="606"/>
-            <ac:picMk id="9" creationId="{DE6548E3-0EA7-5FEC-624C-D22F20E1B73B}"/>
-          </ac:picMkLst>
-        </pc:picChg>
-      </pc:sldChg>
-      <pc:sldChg chg="modSp new del mod">
-        <pc:chgData name="Robert C Scanlon" userId="87c65fe5-daa8-4da7-88d7-94f711cfd484" providerId="ADAL" clId="{FCBF4661-391E-394D-92F5-E1CE4094A0D1}" dt="2023-09-13T16:31:08.164" v="669" actId="2696"/>
-        <pc:sldMkLst>
-          <pc:docMk/>
-          <pc:sldMk cId="3385792055" sldId="607"/>
-        </pc:sldMkLst>
-        <pc:spChg chg="mod">
-          <ac:chgData name="Robert C Scanlon" userId="87c65fe5-daa8-4da7-88d7-94f711cfd484" providerId="ADAL" clId="{FCBF4661-391E-394D-92F5-E1CE4094A0D1}" dt="2023-09-13T16:29:44.317" v="526" actId="20577"/>
-          <ac:spMkLst>
-            <pc:docMk/>
-            <pc:sldMk cId="3385792055" sldId="607"/>
-            <ac:spMk id="3" creationId="{4BB8BFDC-D63C-B9AD-C581-EAB5FDD8B331}"/>
-          </ac:spMkLst>
-        </pc:spChg>
-        <pc:spChg chg="mod">
-          <ac:chgData name="Robert C Scanlon" userId="87c65fe5-daa8-4da7-88d7-94f711cfd484" providerId="ADAL" clId="{FCBF4661-391E-394D-92F5-E1CE4094A0D1}" dt="2023-09-13T16:30:31.921" v="654" actId="20577"/>
-          <ac:spMkLst>
-            <pc:docMk/>
-            <pc:sldMk cId="3385792055" sldId="607"/>
-            <ac:spMk id="4" creationId="{99F4C53F-E290-CC7F-25CD-C46242A27BAC}"/>
-          </ac:spMkLst>
-        </pc:spChg>
-      </pc:sldChg>
-    </pc:docChg>
-  </pc:docChgLst>
-  <pc:docChgLst>
-    <pc:chgData name="Yunwei Wang" userId="304fa8a3-f6b4-47c4-8daf-6dee396ec296" providerId="ADAL" clId="{C39264DF-65A2-754A-B52F-40B5F6241EDE}"/>
-    <pc:docChg chg="undo custSel addSld delSld modSld modSection">
-      <pc:chgData name="Yunwei Wang" userId="304fa8a3-f6b4-47c4-8daf-6dee396ec296" providerId="ADAL" clId="{C39264DF-65A2-754A-B52F-40B5F6241EDE}" dt="2023-06-14T14:37:28.299" v="1745" actId="20577"/>
-      <pc:docMkLst>
-        <pc:docMk/>
-      </pc:docMkLst>
-      <pc:sldChg chg="modSp mod">
-        <pc:chgData name="Yunwei Wang" userId="304fa8a3-f6b4-47c4-8daf-6dee396ec296" providerId="ADAL" clId="{C39264DF-65A2-754A-B52F-40B5F6241EDE}" dt="2023-06-14T12:28:42.541" v="5" actId="20577"/>
-        <pc:sldMkLst>
-          <pc:docMk/>
-          <pc:sldMk cId="171403637" sldId="367"/>
-        </pc:sldMkLst>
-        <pc:spChg chg="mod">
-          <ac:chgData name="Yunwei Wang" userId="304fa8a3-f6b4-47c4-8daf-6dee396ec296" providerId="ADAL" clId="{C39264DF-65A2-754A-B52F-40B5F6241EDE}" dt="2023-06-14T12:28:42.541" v="5" actId="20577"/>
-          <ac:spMkLst>
-            <pc:docMk/>
-            <pc:sldMk cId="171403637" sldId="367"/>
-            <ac:spMk id="12" creationId="{7DDF988F-A5F6-437B-A882-E9FEF1C20A78}"/>
-          </ac:spMkLst>
-        </pc:spChg>
-      </pc:sldChg>
-      <pc:sldChg chg="modSp mod">
-        <pc:chgData name="Yunwei Wang" userId="304fa8a3-f6b4-47c4-8daf-6dee396ec296" providerId="ADAL" clId="{C39264DF-65A2-754A-B52F-40B5F6241EDE}" dt="2023-06-14T12:29:42.225" v="72" actId="6549"/>
-        <pc:sldMkLst>
-          <pc:docMk/>
-          <pc:sldMk cId="644276027" sldId="400"/>
-        </pc:sldMkLst>
-        <pc:spChg chg="mod">
-          <ac:chgData name="Yunwei Wang" userId="304fa8a3-f6b4-47c4-8daf-6dee396ec296" providerId="ADAL" clId="{C39264DF-65A2-754A-B52F-40B5F6241EDE}" dt="2023-06-14T12:29:42.225" v="72" actId="6549"/>
-          <ac:spMkLst>
-            <pc:docMk/>
-            <pc:sldMk cId="644276027" sldId="400"/>
-            <ac:spMk id="4" creationId="{5481D4A7-8373-6840-BED9-F0655E985BE1}"/>
-          </ac:spMkLst>
-        </pc:spChg>
-      </pc:sldChg>
-      <pc:sldChg chg="modSp mod">
-        <pc:chgData name="Yunwei Wang" userId="304fa8a3-f6b4-47c4-8daf-6dee396ec296" providerId="ADAL" clId="{C39264DF-65A2-754A-B52F-40B5F6241EDE}" dt="2023-06-14T14:24:44.334" v="1558" actId="20577"/>
-        <pc:sldMkLst>
-          <pc:docMk/>
-          <pc:sldMk cId="2774878609" sldId="410"/>
-        </pc:sldMkLst>
-        <pc:spChg chg="mod">
-          <ac:chgData name="Yunwei Wang" userId="304fa8a3-f6b4-47c4-8daf-6dee396ec296" providerId="ADAL" clId="{C39264DF-65A2-754A-B52F-40B5F6241EDE}" dt="2023-06-14T14:24:44.334" v="1558" actId="20577"/>
-          <ac:spMkLst>
-            <pc:docMk/>
-            <pc:sldMk cId="2774878609" sldId="410"/>
-            <ac:spMk id="4" creationId="{912C2DC4-E347-394E-8CF8-F14848A56B5B}"/>
-          </ac:spMkLst>
-        </pc:spChg>
-      </pc:sldChg>
-      <pc:sldChg chg="addSp delSp modSp mod">
-        <pc:chgData name="Yunwei Wang" userId="304fa8a3-f6b4-47c4-8daf-6dee396ec296" providerId="ADAL" clId="{C39264DF-65A2-754A-B52F-40B5F6241EDE}" dt="2023-06-14T12:34:24.650" v="128"/>
-        <pc:sldMkLst>
-          <pc:docMk/>
-          <pc:sldMk cId="4021805368" sldId="554"/>
-        </pc:sldMkLst>
-        <pc:spChg chg="mod">
-          <ac:chgData name="Yunwei Wang" userId="304fa8a3-f6b4-47c4-8daf-6dee396ec296" providerId="ADAL" clId="{C39264DF-65A2-754A-B52F-40B5F6241EDE}" dt="2023-06-14T12:33:19.520" v="113" actId="20577"/>
-          <ac:spMkLst>
-            <pc:docMk/>
-            <pc:sldMk cId="4021805368" sldId="554"/>
-            <ac:spMk id="3" creationId="{1D524D76-16E9-E24B-93EE-2004D6252CE6}"/>
-          </ac:spMkLst>
-        </pc:spChg>
-        <pc:spChg chg="add del mod">
-          <ac:chgData name="Yunwei Wang" userId="304fa8a3-f6b4-47c4-8daf-6dee396ec296" providerId="ADAL" clId="{C39264DF-65A2-754A-B52F-40B5F6241EDE}" dt="2023-06-14T12:31:11.864" v="79" actId="767"/>
-          <ac:spMkLst>
-            <pc:docMk/>
-            <pc:sldMk cId="4021805368" sldId="554"/>
-            <ac:spMk id="4" creationId="{8BDC9016-EB7C-AA12-44F8-5B1B0A5D4249}"/>
-          </ac:spMkLst>
-        </pc:spChg>
-        <pc:spChg chg="mod">
-          <ac:chgData name="Yunwei Wang" userId="304fa8a3-f6b4-47c4-8daf-6dee396ec296" providerId="ADAL" clId="{C39264DF-65A2-754A-B52F-40B5F6241EDE}" dt="2023-06-14T12:34:23.792" v="126" actId="1076"/>
-          <ac:spMkLst>
-            <pc:docMk/>
-            <pc:sldMk cId="4021805368" sldId="554"/>
-            <ac:spMk id="5" creationId="{EEC14650-1795-1D49-A7D8-2B1E052DEE1A}"/>
-          </ac:spMkLst>
-        </pc:spChg>
-        <pc:spChg chg="add del mod">
-          <ac:chgData name="Yunwei Wang" userId="304fa8a3-f6b4-47c4-8daf-6dee396ec296" providerId="ADAL" clId="{C39264DF-65A2-754A-B52F-40B5F6241EDE}" dt="2023-06-14T12:34:24.650" v="128"/>
-          <ac:spMkLst>
-            <pc:docMk/>
-            <pc:sldMk cId="4021805368" sldId="554"/>
-            <ac:spMk id="6" creationId="{9640AF5E-6021-E3D6-83BE-160FFA06D09C}"/>
-          </ac:spMkLst>
-        </pc:spChg>
-        <pc:spChg chg="mod">
-          <ac:chgData name="Yunwei Wang" userId="304fa8a3-f6b4-47c4-8daf-6dee396ec296" providerId="ADAL" clId="{C39264DF-65A2-754A-B52F-40B5F6241EDE}" dt="2023-06-14T12:33:33.507" v="115" actId="108"/>
-          <ac:spMkLst>
-            <pc:docMk/>
-            <pc:sldMk cId="4021805368" sldId="554"/>
-            <ac:spMk id="8" creationId="{48FEFF3A-93B4-45CF-0D21-DF2779AED5D5}"/>
-          </ac:spMkLst>
-        </pc:spChg>
-      </pc:sldChg>
-      <pc:sldChg chg="addSp delSp modSp mod modClrScheme delAnim modAnim chgLayout">
-        <pc:chgData name="Yunwei Wang" userId="304fa8a3-f6b4-47c4-8daf-6dee396ec296" providerId="ADAL" clId="{C39264DF-65A2-754A-B52F-40B5F6241EDE}" dt="2023-06-14T14:25:19.100" v="1560"/>
-        <pc:sldMkLst>
-          <pc:docMk/>
-          <pc:sldMk cId="2666709789" sldId="557"/>
-        </pc:sldMkLst>
-        <pc:spChg chg="mod ord">
-          <ac:chgData name="Yunwei Wang" userId="304fa8a3-f6b4-47c4-8daf-6dee396ec296" providerId="ADAL" clId="{C39264DF-65A2-754A-B52F-40B5F6241EDE}" dt="2023-06-14T12:38:48.670" v="137" actId="700"/>
-          <ac:spMkLst>
-            <pc:docMk/>
-            <pc:sldMk cId="2666709789" sldId="557"/>
-            <ac:spMk id="2" creationId="{7C786E19-EA97-4549-9AC7-C3F4A1E30941}"/>
-          </ac:spMkLst>
-        </pc:spChg>
-        <pc:spChg chg="mod ord">
-          <ac:chgData name="Yunwei Wang" userId="304fa8a3-f6b4-47c4-8daf-6dee396ec296" providerId="ADAL" clId="{C39264DF-65A2-754A-B52F-40B5F6241EDE}" dt="2023-06-14T12:38:48.670" v="137" actId="700"/>
-          <ac:spMkLst>
-            <pc:docMk/>
-            <pc:sldMk cId="2666709789" sldId="557"/>
-            <ac:spMk id="3" creationId="{1D524D76-16E9-E24B-93EE-2004D6252CE6}"/>
-          </ac:spMkLst>
-        </pc:spChg>
-        <pc:spChg chg="del">
-          <ac:chgData name="Yunwei Wang" userId="304fa8a3-f6b4-47c4-8daf-6dee396ec296" providerId="ADAL" clId="{C39264DF-65A2-754A-B52F-40B5F6241EDE}" dt="2023-06-14T12:38:28.434" v="136" actId="478"/>
-          <ac:spMkLst>
-            <pc:docMk/>
-            <pc:sldMk cId="2666709789" sldId="557"/>
-            <ac:spMk id="5" creationId="{3FBD2558-195B-4B99-1E2F-04DCCCBA01EE}"/>
-          </ac:spMkLst>
-        </pc:spChg>
-        <pc:spChg chg="del">
-          <ac:chgData name="Yunwei Wang" userId="304fa8a3-f6b4-47c4-8daf-6dee396ec296" providerId="ADAL" clId="{C39264DF-65A2-754A-B52F-40B5F6241EDE}" dt="2023-06-14T12:38:28.434" v="136" actId="478"/>
-          <ac:spMkLst>
-            <pc:docMk/>
-            <pc:sldMk cId="2666709789" sldId="557"/>
-            <ac:spMk id="6" creationId="{CE4AF577-8766-65B1-CF5F-07D56A3E6388}"/>
-          </ac:spMkLst>
-        </pc:spChg>
-        <pc:spChg chg="add mod ord">
-          <ac:chgData name="Yunwei Wang" userId="304fa8a3-f6b4-47c4-8daf-6dee396ec296" providerId="ADAL" clId="{C39264DF-65A2-754A-B52F-40B5F6241EDE}" dt="2023-06-14T12:56:06.398" v="584" actId="14100"/>
-          <ac:spMkLst>
-            <pc:docMk/>
-            <pc:sldMk cId="2666709789" sldId="557"/>
-            <ac:spMk id="7" creationId="{04FDEE15-D063-D7DB-5EF4-13047ED811EE}"/>
-          </ac:spMkLst>
-        </pc:spChg>
-        <pc:spChg chg="del">
-          <ac:chgData name="Yunwei Wang" userId="304fa8a3-f6b4-47c4-8daf-6dee396ec296" providerId="ADAL" clId="{C39264DF-65A2-754A-B52F-40B5F6241EDE}" dt="2023-06-14T12:38:28.434" v="136" actId="478"/>
-          <ac:spMkLst>
-            <pc:docMk/>
-            <pc:sldMk cId="2666709789" sldId="557"/>
-            <ac:spMk id="9" creationId="{431B13FD-497B-09BE-AC3B-7F24C2892809}"/>
-          </ac:spMkLst>
-        </pc:spChg>
-        <pc:picChg chg="del mod">
-          <ac:chgData name="Yunwei Wang" userId="304fa8a3-f6b4-47c4-8daf-6dee396ec296" providerId="ADAL" clId="{C39264DF-65A2-754A-B52F-40B5F6241EDE}" dt="2023-06-14T12:35:07.227" v="135" actId="478"/>
-          <ac:picMkLst>
-            <pc:docMk/>
-            <pc:sldMk cId="2666709789" sldId="557"/>
-            <ac:picMk id="4" creationId="{AE3C2F81-739C-EB0C-67C1-DC71EEA4FC4E}"/>
-          </ac:picMkLst>
-        </pc:picChg>
-        <pc:picChg chg="add mod">
-          <ac:chgData name="Yunwei Wang" userId="304fa8a3-f6b4-47c4-8daf-6dee396ec296" providerId="ADAL" clId="{C39264DF-65A2-754A-B52F-40B5F6241EDE}" dt="2023-06-14T12:56:08.677" v="585" actId="1076"/>
-          <ac:picMkLst>
-            <pc:docMk/>
-            <pc:sldMk cId="2666709789" sldId="557"/>
-            <ac:picMk id="8" creationId="{E45040B3-BA98-49EE-88AE-812B4873CCDB}"/>
-          </ac:picMkLst>
-        </pc:picChg>
-      </pc:sldChg>
-      <pc:sldChg chg="addSp delSp modSp mod modClrScheme delAnim modAnim chgLayout">
-        <pc:chgData name="Yunwei Wang" userId="304fa8a3-f6b4-47c4-8daf-6dee396ec296" providerId="ADAL" clId="{C39264DF-65A2-754A-B52F-40B5F6241EDE}" dt="2023-06-14T14:28:38.133" v="1608"/>
-        <pc:sldMkLst>
-          <pc:docMk/>
-          <pc:sldMk cId="2252337431" sldId="575"/>
-        </pc:sldMkLst>
-        <pc:spChg chg="mod ord">
-          <ac:chgData name="Yunwei Wang" userId="304fa8a3-f6b4-47c4-8daf-6dee396ec296" providerId="ADAL" clId="{C39264DF-65A2-754A-B52F-40B5F6241EDE}" dt="2023-06-14T13:05:21.310" v="598" actId="700"/>
-          <ac:spMkLst>
-            <pc:docMk/>
-            <pc:sldMk cId="2252337431" sldId="575"/>
-            <ac:spMk id="2" creationId="{7C786E19-EA97-4549-9AC7-C3F4A1E30941}"/>
-          </ac:spMkLst>
-        </pc:spChg>
-        <pc:spChg chg="mod ord">
-          <ac:chgData name="Yunwei Wang" userId="304fa8a3-f6b4-47c4-8daf-6dee396ec296" providerId="ADAL" clId="{C39264DF-65A2-754A-B52F-40B5F6241EDE}" dt="2023-06-14T13:05:21.310" v="598" actId="700"/>
-          <ac:spMkLst>
-            <pc:docMk/>
-            <pc:sldMk cId="2252337431" sldId="575"/>
-            <ac:spMk id="3" creationId="{1D524D76-16E9-E24B-93EE-2004D6252CE6}"/>
-          </ac:spMkLst>
-        </pc:spChg>
-        <pc:spChg chg="add mod ord">
-          <ac:chgData name="Yunwei Wang" userId="304fa8a3-f6b4-47c4-8daf-6dee396ec296" providerId="ADAL" clId="{C39264DF-65A2-754A-B52F-40B5F6241EDE}" dt="2023-06-14T13:08:44.832" v="661" actId="20577"/>
-          <ac:spMkLst>
-            <pc:docMk/>
-            <pc:sldMk cId="2252337431" sldId="575"/>
-            <ac:spMk id="6" creationId="{8FF46A5F-875F-7673-6031-6CA533AD0DBF}"/>
-          </ac:spMkLst>
-        </pc:spChg>
-        <pc:spChg chg="del">
-          <ac:chgData name="Yunwei Wang" userId="304fa8a3-f6b4-47c4-8daf-6dee396ec296" providerId="ADAL" clId="{C39264DF-65A2-754A-B52F-40B5F6241EDE}" dt="2023-06-14T13:05:12.320" v="596" actId="478"/>
-          <ac:spMkLst>
-            <pc:docMk/>
-            <pc:sldMk cId="2252337431" sldId="575"/>
-            <ac:spMk id="11" creationId="{9E9F1C81-010B-80A2-6261-0C0B74B331FE}"/>
-          </ac:spMkLst>
-        </pc:spChg>
-        <pc:spChg chg="del">
-          <ac:chgData name="Yunwei Wang" userId="304fa8a3-f6b4-47c4-8daf-6dee396ec296" providerId="ADAL" clId="{C39264DF-65A2-754A-B52F-40B5F6241EDE}" dt="2023-06-14T13:05:12.320" v="596" actId="478"/>
-          <ac:spMkLst>
-            <pc:docMk/>
-            <pc:sldMk cId="2252337431" sldId="575"/>
-            <ac:spMk id="12" creationId="{2CA7CA4B-9629-19AE-D434-00408013A301}"/>
-          </ac:spMkLst>
-        </pc:spChg>
-        <pc:picChg chg="del">
-          <ac:chgData name="Yunwei Wang" userId="304fa8a3-f6b4-47c4-8daf-6dee396ec296" providerId="ADAL" clId="{C39264DF-65A2-754A-B52F-40B5F6241EDE}" dt="2023-06-14T13:05:12.320" v="596" actId="478"/>
-          <ac:picMkLst>
-            <pc:docMk/>
-            <pc:sldMk cId="2252337431" sldId="575"/>
-            <ac:picMk id="4" creationId="{91071863-2766-D8E3-6E5C-259745A6FEA8}"/>
-          </ac:picMkLst>
-        </pc:picChg>
-        <pc:picChg chg="del">
-          <ac:chgData name="Yunwei Wang" userId="304fa8a3-f6b4-47c4-8daf-6dee396ec296" providerId="ADAL" clId="{C39264DF-65A2-754A-B52F-40B5F6241EDE}" dt="2023-06-14T13:05:16.819" v="597" actId="478"/>
-          <ac:picMkLst>
-            <pc:docMk/>
-            <pc:sldMk cId="2252337431" sldId="575"/>
-            <ac:picMk id="5" creationId="{73FFA555-A877-5876-847B-E31072464C4F}"/>
-          </ac:picMkLst>
-        </pc:picChg>
-      </pc:sldChg>
-      <pc:sldChg chg="addSp delSp modSp mod modClrScheme delAnim modAnim chgLayout">
-        <pc:chgData name="Yunwei Wang" userId="304fa8a3-f6b4-47c4-8daf-6dee396ec296" providerId="ADAL" clId="{C39264DF-65A2-754A-B52F-40B5F6241EDE}" dt="2023-06-14T14:30:17.531" v="1611" actId="14100"/>
-        <pc:sldMkLst>
-          <pc:docMk/>
-          <pc:sldMk cId="3350996700" sldId="587"/>
-        </pc:sldMkLst>
-        <pc:spChg chg="mod ord">
-          <ac:chgData name="Yunwei Wang" userId="304fa8a3-f6b4-47c4-8daf-6dee396ec296" providerId="ADAL" clId="{C39264DF-65A2-754A-B52F-40B5F6241EDE}" dt="2023-06-14T13:09:44.603" v="667" actId="700"/>
-          <ac:spMkLst>
-            <pc:docMk/>
-            <pc:sldMk cId="3350996700" sldId="587"/>
-            <ac:spMk id="2" creationId="{85DE10BE-47A1-9608-8497-D6FB74E00EFA}"/>
-          </ac:spMkLst>
-        </pc:spChg>
-        <pc:spChg chg="mod ord">
-          <ac:chgData name="Yunwei Wang" userId="304fa8a3-f6b4-47c4-8daf-6dee396ec296" providerId="ADAL" clId="{C39264DF-65A2-754A-B52F-40B5F6241EDE}" dt="2023-06-14T14:30:17.531" v="1611" actId="14100"/>
-          <ac:spMkLst>
-            <pc:docMk/>
-            <pc:sldMk cId="3350996700" sldId="587"/>
-            <ac:spMk id="3" creationId="{84FF1D69-264C-9F57-64ED-381456A9D0C0}"/>
-          </ac:spMkLst>
-        </pc:spChg>
-        <pc:spChg chg="add mod ord">
-          <ac:chgData name="Yunwei Wang" userId="304fa8a3-f6b4-47c4-8daf-6dee396ec296" providerId="ADAL" clId="{C39264DF-65A2-754A-B52F-40B5F6241EDE}" dt="2023-06-14T13:19:11.539" v="752" actId="207"/>
-          <ac:spMkLst>
-            <pc:docMk/>
-            <pc:sldMk cId="3350996700" sldId="587"/>
-            <ac:spMk id="4" creationId="{EBED5C87-358E-D829-7331-FE10D0F8655A}"/>
-          </ac:spMkLst>
-        </pc:spChg>
-        <pc:spChg chg="del">
-          <ac:chgData name="Yunwei Wang" userId="304fa8a3-f6b4-47c4-8daf-6dee396ec296" providerId="ADAL" clId="{C39264DF-65A2-754A-B52F-40B5F6241EDE}" dt="2023-06-14T13:09:41.271" v="666" actId="478"/>
-          <ac:spMkLst>
-            <pc:docMk/>
-            <pc:sldMk cId="3350996700" sldId="587"/>
-            <ac:spMk id="8" creationId="{66350B6F-6D10-354D-4D6B-1A83B7AECC7A}"/>
-          </ac:spMkLst>
-        </pc:spChg>
-        <pc:picChg chg="del">
-          <ac:chgData name="Yunwei Wang" userId="304fa8a3-f6b4-47c4-8daf-6dee396ec296" providerId="ADAL" clId="{C39264DF-65A2-754A-B52F-40B5F6241EDE}" dt="2023-06-14T13:09:39.125" v="664" actId="478"/>
-          <ac:picMkLst>
-            <pc:docMk/>
-            <pc:sldMk cId="3350996700" sldId="587"/>
-            <ac:picMk id="6" creationId="{52965C3F-589C-FA4C-0CC2-F94758311356}"/>
-          </ac:picMkLst>
-        </pc:picChg>
-        <pc:picChg chg="del">
-          <ac:chgData name="Yunwei Wang" userId="304fa8a3-f6b4-47c4-8daf-6dee396ec296" providerId="ADAL" clId="{C39264DF-65A2-754A-B52F-40B5F6241EDE}" dt="2023-06-14T13:09:39.991" v="665" actId="478"/>
-          <ac:picMkLst>
-            <pc:docMk/>
-            <pc:sldMk cId="3350996700" sldId="587"/>
-            <ac:picMk id="9" creationId="{F1DB3A93-9C07-0C56-7F3F-FE47B5B6EA11}"/>
-          </ac:picMkLst>
-        </pc:picChg>
-      </pc:sldChg>
-      <pc:sldChg chg="del">
-        <pc:chgData name="Yunwei Wang" userId="304fa8a3-f6b4-47c4-8daf-6dee396ec296" providerId="ADAL" clId="{C39264DF-65A2-754A-B52F-40B5F6241EDE}" dt="2023-06-14T14:24:02.461" v="1544" actId="2696"/>
-        <pc:sldMkLst>
-          <pc:docMk/>
-          <pc:sldMk cId="4175298405" sldId="588"/>
-        </pc:sldMkLst>
-      </pc:sldChg>
-      <pc:sldChg chg="del">
-        <pc:chgData name="Yunwei Wang" userId="304fa8a3-f6b4-47c4-8daf-6dee396ec296" providerId="ADAL" clId="{C39264DF-65A2-754A-B52F-40B5F6241EDE}" dt="2023-06-14T14:24:03.169" v="1545" actId="2696"/>
-        <pc:sldMkLst>
-          <pc:docMk/>
-          <pc:sldMk cId="1818914231" sldId="589"/>
-        </pc:sldMkLst>
-      </pc:sldChg>
-      <pc:sldChg chg="del">
-        <pc:chgData name="Yunwei Wang" userId="304fa8a3-f6b4-47c4-8daf-6dee396ec296" providerId="ADAL" clId="{C39264DF-65A2-754A-B52F-40B5F6241EDE}" dt="2023-06-14T14:24:04.328" v="1547" actId="2696"/>
-        <pc:sldMkLst>
-          <pc:docMk/>
-          <pc:sldMk cId="3306483889" sldId="590"/>
-        </pc:sldMkLst>
-      </pc:sldChg>
-      <pc:sldChg chg="del">
-        <pc:chgData name="Yunwei Wang" userId="304fa8a3-f6b4-47c4-8daf-6dee396ec296" providerId="ADAL" clId="{C39264DF-65A2-754A-B52F-40B5F6241EDE}" dt="2023-06-14T14:24:03.662" v="1546" actId="2696"/>
-        <pc:sldMkLst>
-          <pc:docMk/>
-          <pc:sldMk cId="1064735212" sldId="591"/>
-        </pc:sldMkLst>
-      </pc:sldChg>
-      <pc:sldChg chg="del">
-        <pc:chgData name="Yunwei Wang" userId="304fa8a3-f6b4-47c4-8daf-6dee396ec296" providerId="ADAL" clId="{C39264DF-65A2-754A-B52F-40B5F6241EDE}" dt="2023-06-14T14:24:05.467" v="1548" actId="2696"/>
-        <pc:sldMkLst>
-          <pc:docMk/>
-          <pc:sldMk cId="1964552117" sldId="592"/>
-        </pc:sldMkLst>
-      </pc:sldChg>
-      <pc:sldChg chg="del">
-        <pc:chgData name="Yunwei Wang" userId="304fa8a3-f6b4-47c4-8daf-6dee396ec296" providerId="ADAL" clId="{C39264DF-65A2-754A-B52F-40B5F6241EDE}" dt="2023-06-14T14:24:08.496" v="1549" actId="2696"/>
-        <pc:sldMkLst>
-          <pc:docMk/>
-          <pc:sldMk cId="577522648" sldId="593"/>
-        </pc:sldMkLst>
-      </pc:sldChg>
-      <pc:sldChg chg="del">
-        <pc:chgData name="Yunwei Wang" userId="304fa8a3-f6b4-47c4-8daf-6dee396ec296" providerId="ADAL" clId="{C39264DF-65A2-754A-B52F-40B5F6241EDE}" dt="2023-06-14T14:24:10.155" v="1550" actId="2696"/>
-        <pc:sldMkLst>
-          <pc:docMk/>
-          <pc:sldMk cId="3345383473" sldId="594"/>
-        </pc:sldMkLst>
-      </pc:sldChg>
-      <pc:sldChg chg="del">
-        <pc:chgData name="Yunwei Wang" userId="304fa8a3-f6b4-47c4-8daf-6dee396ec296" providerId="ADAL" clId="{C39264DF-65A2-754A-B52F-40B5F6241EDE}" dt="2023-06-14T14:24:17.692" v="1551" actId="2696"/>
+      <pc:sldChg chg="modSp">
+        <pc:chgData name="Robert C Scanlon" userId="S::rscanlon@mitre.org::87c65fe5-daa8-4da7-88d7-94f711cfd484" providerId="AD" clId="Web-{566D86F9-551D-2900-713E-C871EB920655}" dt="2023-04-12T16:15:34.393" v="69" actId="20577"/>
         <pc:sldMkLst>
           <pc:docMk/>
           <pc:sldMk cId="4010502795" sldId="595"/>
         </pc:sldMkLst>
+        <pc:spChg chg="mod">
+          <ac:chgData name="Robert C Scanlon" userId="S::rscanlon@mitre.org::87c65fe5-daa8-4da7-88d7-94f711cfd484" providerId="AD" clId="Web-{566D86F9-551D-2900-713E-C871EB920655}" dt="2023-04-12T16:15:34.393" v="69" actId="20577"/>
+          <ac:spMkLst>
+            <pc:docMk/>
+            <pc:sldMk cId="4010502795" sldId="595"/>
+            <ac:spMk id="4" creationId="{7D75A34B-38DD-6AA6-38BA-44CB956C0E49}"/>
+          </ac:spMkLst>
+        </pc:spChg>
       </pc:sldChg>
-      <pc:sldChg chg="del">
-        <pc:chgData name="Yunwei Wang" userId="304fa8a3-f6b4-47c4-8daf-6dee396ec296" providerId="ADAL" clId="{C39264DF-65A2-754A-B52F-40B5F6241EDE}" dt="2023-06-14T14:24:19.235" v="1552" actId="2696"/>
+      <pc:sldChg chg="new">
+        <pc:chgData name="Robert C Scanlon" userId="S::rscanlon@mitre.org::87c65fe5-daa8-4da7-88d7-94f711cfd484" providerId="AD" clId="Web-{566D86F9-551D-2900-713E-C871EB920655}" dt="2023-04-12T16:16:44.753" v="70"/>
         <pc:sldMkLst>
           <pc:docMk/>
           <pc:sldMk cId="1367250476" sldId="596"/>
         </pc:sldMkLst>
-      </pc:sldChg>
-      <pc:sldChg chg="addSp delSp modSp new mod modAnim">
-        <pc:chgData name="Yunwei Wang" userId="304fa8a3-f6b4-47c4-8daf-6dee396ec296" providerId="ADAL" clId="{C39264DF-65A2-754A-B52F-40B5F6241EDE}" dt="2023-06-14T14:28:21.289" v="1606" actId="20577"/>
-        <pc:sldMkLst>
-          <pc:docMk/>
-          <pc:sldMk cId="478789489" sldId="597"/>
-        </pc:sldMkLst>
-        <pc:spChg chg="mod">
-          <ac:chgData name="Yunwei Wang" userId="304fa8a3-f6b4-47c4-8daf-6dee396ec296" providerId="ADAL" clId="{C39264DF-65A2-754A-B52F-40B5F6241EDE}" dt="2023-06-14T14:28:21.289" v="1606" actId="20577"/>
-          <ac:spMkLst>
-            <pc:docMk/>
-            <pc:sldMk cId="478789489" sldId="597"/>
-            <ac:spMk id="4" creationId="{017472AC-FB25-4E43-0937-FA5597FFD1C9}"/>
-          </ac:spMkLst>
-        </pc:spChg>
-        <pc:spChg chg="add del">
-          <ac:chgData name="Yunwei Wang" userId="304fa8a3-f6b4-47c4-8daf-6dee396ec296" providerId="ADAL" clId="{C39264DF-65A2-754A-B52F-40B5F6241EDE}" dt="2023-06-14T12:53:54.574" v="554" actId="22"/>
-          <ac:spMkLst>
-            <pc:docMk/>
-            <pc:sldMk cId="478789489" sldId="597"/>
-            <ac:spMk id="7" creationId="{50EB0069-3CE0-B018-4994-404A761E6C9E}"/>
-          </ac:spMkLst>
-        </pc:spChg>
-        <pc:graphicFrameChg chg="add del mod">
-          <ac:chgData name="Yunwei Wang" userId="304fa8a3-f6b4-47c4-8daf-6dee396ec296" providerId="ADAL" clId="{C39264DF-65A2-754A-B52F-40B5F6241EDE}" dt="2023-06-14T12:53:55.207" v="555"/>
-          <ac:graphicFrameMkLst>
-            <pc:docMk/>
-            <pc:sldMk cId="478789489" sldId="597"/>
-            <ac:graphicFrameMk id="5" creationId="{1BF55B04-B02D-48B4-A77F-A9E181A1D125}"/>
-          </ac:graphicFrameMkLst>
-        </pc:graphicFrameChg>
-      </pc:sldChg>
-      <pc:sldChg chg="modSp new mod">
-        <pc:chgData name="Yunwei Wang" userId="304fa8a3-f6b4-47c4-8daf-6dee396ec296" providerId="ADAL" clId="{C39264DF-65A2-754A-B52F-40B5F6241EDE}" dt="2023-06-14T13:52:32.955" v="1287" actId="20577"/>
-        <pc:sldMkLst>
-          <pc:docMk/>
-          <pc:sldMk cId="4204798997" sldId="598"/>
-        </pc:sldMkLst>
-        <pc:spChg chg="mod">
-          <ac:chgData name="Yunwei Wang" userId="304fa8a3-f6b4-47c4-8daf-6dee396ec296" providerId="ADAL" clId="{C39264DF-65A2-754A-B52F-40B5F6241EDE}" dt="2023-06-14T13:19:44.909" v="797" actId="20577"/>
-          <ac:spMkLst>
-            <pc:docMk/>
-            <pc:sldMk cId="4204798997" sldId="598"/>
-            <ac:spMk id="3" creationId="{BCE07320-2A8F-1BB5-23DA-B5346C915CF4}"/>
-          </ac:spMkLst>
-        </pc:spChg>
-        <pc:spChg chg="mod">
-          <ac:chgData name="Yunwei Wang" userId="304fa8a3-f6b4-47c4-8daf-6dee396ec296" providerId="ADAL" clId="{C39264DF-65A2-754A-B52F-40B5F6241EDE}" dt="2023-06-14T13:52:32.955" v="1287" actId="20577"/>
-          <ac:spMkLst>
-            <pc:docMk/>
-            <pc:sldMk cId="4204798997" sldId="598"/>
-            <ac:spMk id="4" creationId="{06651D22-9509-BE22-6202-8EA67CFDAC6F}"/>
-          </ac:spMkLst>
-        </pc:spChg>
-      </pc:sldChg>
-      <pc:sldChg chg="modSp new mod">
-        <pc:chgData name="Yunwei Wang" userId="304fa8a3-f6b4-47c4-8daf-6dee396ec296" providerId="ADAL" clId="{C39264DF-65A2-754A-B52F-40B5F6241EDE}" dt="2023-06-14T13:43:09.031" v="1233" actId="20577"/>
-        <pc:sldMkLst>
-          <pc:docMk/>
-          <pc:sldMk cId="3181230257" sldId="599"/>
-        </pc:sldMkLst>
-        <pc:spChg chg="mod">
-          <ac:chgData name="Yunwei Wang" userId="304fa8a3-f6b4-47c4-8daf-6dee396ec296" providerId="ADAL" clId="{C39264DF-65A2-754A-B52F-40B5F6241EDE}" dt="2023-06-14T13:43:09.031" v="1233" actId="20577"/>
-          <ac:spMkLst>
-            <pc:docMk/>
-            <pc:sldMk cId="3181230257" sldId="599"/>
-            <ac:spMk id="3" creationId="{16FC9D19-60C1-53B7-296C-F9B4C0B3D1A2}"/>
-          </ac:spMkLst>
-        </pc:spChg>
-        <pc:spChg chg="mod">
-          <ac:chgData name="Yunwei Wang" userId="304fa8a3-f6b4-47c4-8daf-6dee396ec296" providerId="ADAL" clId="{C39264DF-65A2-754A-B52F-40B5F6241EDE}" dt="2023-06-14T13:42:46.883" v="1201" actId="20577"/>
-          <ac:spMkLst>
-            <pc:docMk/>
-            <pc:sldMk cId="3181230257" sldId="599"/>
-            <ac:spMk id="4" creationId="{0F1B451B-94A2-7707-3CF8-952DA5423772}"/>
-          </ac:spMkLst>
-        </pc:spChg>
-      </pc:sldChg>
-      <pc:sldChg chg="modSp new mod">
-        <pc:chgData name="Yunwei Wang" userId="304fa8a3-f6b4-47c4-8daf-6dee396ec296" providerId="ADAL" clId="{C39264DF-65A2-754A-B52F-40B5F6241EDE}" dt="2023-06-14T14:37:28.299" v="1745" actId="20577"/>
-        <pc:sldMkLst>
-          <pc:docMk/>
-          <pc:sldMk cId="2201829971" sldId="600"/>
-        </pc:sldMkLst>
-        <pc:spChg chg="mod">
-          <ac:chgData name="Yunwei Wang" userId="304fa8a3-f6b4-47c4-8daf-6dee396ec296" providerId="ADAL" clId="{C39264DF-65A2-754A-B52F-40B5F6241EDE}" dt="2023-06-14T13:43:02.625" v="1227" actId="20577"/>
-          <ac:spMkLst>
-            <pc:docMk/>
-            <pc:sldMk cId="2201829971" sldId="600"/>
-            <ac:spMk id="3" creationId="{09635BE6-D5CB-7E30-AEEF-ED56C1086EEC}"/>
-          </ac:spMkLst>
-        </pc:spChg>
-        <pc:spChg chg="mod">
-          <ac:chgData name="Yunwei Wang" userId="304fa8a3-f6b4-47c4-8daf-6dee396ec296" providerId="ADAL" clId="{C39264DF-65A2-754A-B52F-40B5F6241EDE}" dt="2023-06-14T14:37:28.299" v="1745" actId="20577"/>
-          <ac:spMkLst>
-            <pc:docMk/>
-            <pc:sldMk cId="2201829971" sldId="600"/>
-            <ac:spMk id="4" creationId="{9BBFC5BE-74D1-F904-0524-39C3A2AB39F7}"/>
-          </ac:spMkLst>
-        </pc:spChg>
-      </pc:sldChg>
-      <pc:sldChg chg="modSp new mod modAnim">
-        <pc:chgData name="Yunwei Wang" userId="304fa8a3-f6b4-47c4-8daf-6dee396ec296" providerId="ADAL" clId="{C39264DF-65A2-754A-B52F-40B5F6241EDE}" dt="2023-06-14T14:32:31.994" v="1627" actId="20577"/>
-        <pc:sldMkLst>
-          <pc:docMk/>
-          <pc:sldMk cId="3702039063" sldId="601"/>
-        </pc:sldMkLst>
-        <pc:spChg chg="mod">
-          <ac:chgData name="Yunwei Wang" userId="304fa8a3-f6b4-47c4-8daf-6dee396ec296" providerId="ADAL" clId="{C39264DF-65A2-754A-B52F-40B5F6241EDE}" dt="2023-06-14T14:21:07.123" v="1310" actId="20577"/>
-          <ac:spMkLst>
-            <pc:docMk/>
-            <pc:sldMk cId="3702039063" sldId="601"/>
-            <ac:spMk id="3" creationId="{F90007A0-C254-E5F0-73C4-818F3612215F}"/>
-          </ac:spMkLst>
-        </pc:spChg>
-        <pc:spChg chg="mod">
-          <ac:chgData name="Yunwei Wang" userId="304fa8a3-f6b4-47c4-8daf-6dee396ec296" providerId="ADAL" clId="{C39264DF-65A2-754A-B52F-40B5F6241EDE}" dt="2023-06-14T14:32:31.994" v="1627" actId="20577"/>
-          <ac:spMkLst>
-            <pc:docMk/>
-            <pc:sldMk cId="3702039063" sldId="601"/>
-            <ac:spMk id="4" creationId="{ABFD4798-068F-9530-94BB-A218B196454D}"/>
-          </ac:spMkLst>
-        </pc:spChg>
-      </pc:sldChg>
-    </pc:docChg>
-  </pc:docChgLst>
-  <pc:docChgLst>
-    <pc:chgData name="Robert C Scanlon" userId="87c65fe5-daa8-4da7-88d7-94f711cfd484" providerId="ADAL" clId="{43376301-F4C7-C44F-B0BB-2E5568D7E544}"/>
-    <pc:docChg chg="modSld">
-      <pc:chgData name="Robert C Scanlon" userId="87c65fe5-daa8-4da7-88d7-94f711cfd484" providerId="ADAL" clId="{43376301-F4C7-C44F-B0BB-2E5568D7E544}" dt="2023-06-14T16:54:12.983" v="5" actId="20577"/>
-      <pc:docMkLst>
-        <pc:docMk/>
-      </pc:docMkLst>
-      <pc:sldChg chg="modSp mod">
-        <pc:chgData name="Robert C Scanlon" userId="87c65fe5-daa8-4da7-88d7-94f711cfd484" providerId="ADAL" clId="{43376301-F4C7-C44F-B0BB-2E5568D7E544}" dt="2023-06-14T16:53:42.263" v="3" actId="20577"/>
-        <pc:sldMkLst>
-          <pc:docMk/>
-          <pc:sldMk cId="171403637" sldId="367"/>
-        </pc:sldMkLst>
-        <pc:spChg chg="mod">
-          <ac:chgData name="Robert C Scanlon" userId="87c65fe5-daa8-4da7-88d7-94f711cfd484" providerId="ADAL" clId="{43376301-F4C7-C44F-B0BB-2E5568D7E544}" dt="2023-06-14T16:53:42.263" v="3" actId="20577"/>
-          <ac:spMkLst>
-            <pc:docMk/>
-            <pc:sldMk cId="171403637" sldId="367"/>
-            <ac:spMk id="11" creationId="{F9B77AE9-225F-48B2-BA99-84435A6064AD}"/>
-          </ac:spMkLst>
-        </pc:spChg>
-      </pc:sldChg>
-      <pc:sldChg chg="modSp mod">
-        <pc:chgData name="Robert C Scanlon" userId="87c65fe5-daa8-4da7-88d7-94f711cfd484" providerId="ADAL" clId="{43376301-F4C7-C44F-B0BB-2E5568D7E544}" dt="2023-06-14T16:54:12.983" v="5" actId="20577"/>
-        <pc:sldMkLst>
-          <pc:docMk/>
-          <pc:sldMk cId="4204798997" sldId="598"/>
-        </pc:sldMkLst>
-        <pc:spChg chg="mod">
-          <ac:chgData name="Robert C Scanlon" userId="87c65fe5-daa8-4da7-88d7-94f711cfd484" providerId="ADAL" clId="{43376301-F4C7-C44F-B0BB-2E5568D7E544}" dt="2023-06-14T16:54:12.983" v="5" actId="20577"/>
-          <ac:spMkLst>
-            <pc:docMk/>
-            <pc:sldMk cId="4204798997" sldId="598"/>
-            <ac:spMk id="4" creationId="{06651D22-9509-BE22-6202-8EA67CFDAC6F}"/>
-          </ac:spMkLst>
-        </pc:spChg>
       </pc:sldChg>
     </pc:docChg>
   </pc:docChgLst>
@@ -1810,37 +1083,6 @@
     </pc:docChg>
   </pc:docChgLst>
   <pc:docChgLst>
-    <pc:chgData name="Robert C Scanlon" userId="S::rscanlon@mitre.org::87c65fe5-daa8-4da7-88d7-94f711cfd484" providerId="AD" clId="Web-{566D86F9-551D-2900-713E-C871EB920655}"/>
-    <pc:docChg chg="addSld modSld modSection">
-      <pc:chgData name="Robert C Scanlon" userId="S::rscanlon@mitre.org::87c65fe5-daa8-4da7-88d7-94f711cfd484" providerId="AD" clId="Web-{566D86F9-551D-2900-713E-C871EB920655}" dt="2023-04-12T16:16:44.753" v="70"/>
-      <pc:docMkLst>
-        <pc:docMk/>
-      </pc:docMkLst>
-      <pc:sldChg chg="modSp">
-        <pc:chgData name="Robert C Scanlon" userId="S::rscanlon@mitre.org::87c65fe5-daa8-4da7-88d7-94f711cfd484" providerId="AD" clId="Web-{566D86F9-551D-2900-713E-C871EB920655}" dt="2023-04-12T16:15:34.393" v="69" actId="20577"/>
-        <pc:sldMkLst>
-          <pc:docMk/>
-          <pc:sldMk cId="4010502795" sldId="595"/>
-        </pc:sldMkLst>
-        <pc:spChg chg="mod">
-          <ac:chgData name="Robert C Scanlon" userId="S::rscanlon@mitre.org::87c65fe5-daa8-4da7-88d7-94f711cfd484" providerId="AD" clId="Web-{566D86F9-551D-2900-713E-C871EB920655}" dt="2023-04-12T16:15:34.393" v="69" actId="20577"/>
-          <ac:spMkLst>
-            <pc:docMk/>
-            <pc:sldMk cId="4010502795" sldId="595"/>
-            <ac:spMk id="4" creationId="{7D75A34B-38DD-6AA6-38BA-44CB956C0E49}"/>
-          </ac:spMkLst>
-        </pc:spChg>
-      </pc:sldChg>
-      <pc:sldChg chg="new">
-        <pc:chgData name="Robert C Scanlon" userId="S::rscanlon@mitre.org::87c65fe5-daa8-4da7-88d7-94f711cfd484" providerId="AD" clId="Web-{566D86F9-551D-2900-713E-C871EB920655}" dt="2023-04-12T16:16:44.753" v="70"/>
-        <pc:sldMkLst>
-          <pc:docMk/>
-          <pc:sldMk cId="1367250476" sldId="596"/>
-        </pc:sldMkLst>
-      </pc:sldChg>
-    </pc:docChg>
-  </pc:docChgLst>
-  <pc:docChgLst>
     <pc:chgData name="Stephen MacVicar" userId="S::smacvicar@mitre.org::d12d3dd9-2f18-4ee0-b5f5-cc5a06a38298" providerId="AD" clId="Web-{9F94D9C6-C050-F24E-A18F-1E208A8AD62E}"/>
     <pc:docChg chg="modSld">
       <pc:chgData name="Stephen MacVicar" userId="S::smacvicar@mitre.org::d12d3dd9-2f18-4ee0-b5f5-cc5a06a38298" providerId="AD" clId="Web-{9F94D9C6-C050-F24E-A18F-1E208A8AD62E}" dt="2023-03-08T13:01:58.718" v="13" actId="20577"/>
@@ -2068,6 +1310,804 @@
             <pc:docMk/>
             <pc:sldMk cId="2252337431" sldId="575"/>
             <ac:spMk id="4" creationId="{80A7DE20-D3F1-3B2F-AB7E-65589865CEA3}"/>
+          </ac:spMkLst>
+        </pc:spChg>
+      </pc:sldChg>
+    </pc:docChg>
+  </pc:docChgLst>
+  <pc:docChgLst>
+    <pc:chgData name="Yunwei Wang" userId="304fa8a3-f6b4-47c4-8daf-6dee396ec296" providerId="ADAL" clId="{C39264DF-65A2-754A-B52F-40B5F6241EDE}"/>
+    <pc:docChg chg="undo custSel addSld delSld modSld modSection">
+      <pc:chgData name="Yunwei Wang" userId="304fa8a3-f6b4-47c4-8daf-6dee396ec296" providerId="ADAL" clId="{C39264DF-65A2-754A-B52F-40B5F6241EDE}" dt="2023-06-14T14:37:28.299" v="1745" actId="20577"/>
+      <pc:docMkLst>
+        <pc:docMk/>
+      </pc:docMkLst>
+      <pc:sldChg chg="modSp mod">
+        <pc:chgData name="Yunwei Wang" userId="304fa8a3-f6b4-47c4-8daf-6dee396ec296" providerId="ADAL" clId="{C39264DF-65A2-754A-B52F-40B5F6241EDE}" dt="2023-06-14T12:28:42.541" v="5" actId="20577"/>
+        <pc:sldMkLst>
+          <pc:docMk/>
+          <pc:sldMk cId="171403637" sldId="367"/>
+        </pc:sldMkLst>
+        <pc:spChg chg="mod">
+          <ac:chgData name="Yunwei Wang" userId="304fa8a3-f6b4-47c4-8daf-6dee396ec296" providerId="ADAL" clId="{C39264DF-65A2-754A-B52F-40B5F6241EDE}" dt="2023-06-14T12:28:42.541" v="5" actId="20577"/>
+          <ac:spMkLst>
+            <pc:docMk/>
+            <pc:sldMk cId="171403637" sldId="367"/>
+            <ac:spMk id="12" creationId="{7DDF988F-A5F6-437B-A882-E9FEF1C20A78}"/>
+          </ac:spMkLst>
+        </pc:spChg>
+      </pc:sldChg>
+      <pc:sldChg chg="modSp mod">
+        <pc:chgData name="Yunwei Wang" userId="304fa8a3-f6b4-47c4-8daf-6dee396ec296" providerId="ADAL" clId="{C39264DF-65A2-754A-B52F-40B5F6241EDE}" dt="2023-06-14T12:29:42.225" v="72" actId="6549"/>
+        <pc:sldMkLst>
+          <pc:docMk/>
+          <pc:sldMk cId="644276027" sldId="400"/>
+        </pc:sldMkLst>
+        <pc:spChg chg="mod">
+          <ac:chgData name="Yunwei Wang" userId="304fa8a3-f6b4-47c4-8daf-6dee396ec296" providerId="ADAL" clId="{C39264DF-65A2-754A-B52F-40B5F6241EDE}" dt="2023-06-14T12:29:42.225" v="72" actId="6549"/>
+          <ac:spMkLst>
+            <pc:docMk/>
+            <pc:sldMk cId="644276027" sldId="400"/>
+            <ac:spMk id="4" creationId="{5481D4A7-8373-6840-BED9-F0655E985BE1}"/>
+          </ac:spMkLst>
+        </pc:spChg>
+      </pc:sldChg>
+      <pc:sldChg chg="modSp mod">
+        <pc:chgData name="Yunwei Wang" userId="304fa8a3-f6b4-47c4-8daf-6dee396ec296" providerId="ADAL" clId="{C39264DF-65A2-754A-B52F-40B5F6241EDE}" dt="2023-06-14T14:24:44.334" v="1558" actId="20577"/>
+        <pc:sldMkLst>
+          <pc:docMk/>
+          <pc:sldMk cId="2774878609" sldId="410"/>
+        </pc:sldMkLst>
+        <pc:spChg chg="mod">
+          <ac:chgData name="Yunwei Wang" userId="304fa8a3-f6b4-47c4-8daf-6dee396ec296" providerId="ADAL" clId="{C39264DF-65A2-754A-B52F-40B5F6241EDE}" dt="2023-06-14T14:24:44.334" v="1558" actId="20577"/>
+          <ac:spMkLst>
+            <pc:docMk/>
+            <pc:sldMk cId="2774878609" sldId="410"/>
+            <ac:spMk id="4" creationId="{912C2DC4-E347-394E-8CF8-F14848A56B5B}"/>
+          </ac:spMkLst>
+        </pc:spChg>
+      </pc:sldChg>
+      <pc:sldChg chg="addSp delSp modSp mod">
+        <pc:chgData name="Yunwei Wang" userId="304fa8a3-f6b4-47c4-8daf-6dee396ec296" providerId="ADAL" clId="{C39264DF-65A2-754A-B52F-40B5F6241EDE}" dt="2023-06-14T12:34:24.650" v="128"/>
+        <pc:sldMkLst>
+          <pc:docMk/>
+          <pc:sldMk cId="4021805368" sldId="554"/>
+        </pc:sldMkLst>
+        <pc:spChg chg="mod">
+          <ac:chgData name="Yunwei Wang" userId="304fa8a3-f6b4-47c4-8daf-6dee396ec296" providerId="ADAL" clId="{C39264DF-65A2-754A-B52F-40B5F6241EDE}" dt="2023-06-14T12:33:19.520" v="113" actId="20577"/>
+          <ac:spMkLst>
+            <pc:docMk/>
+            <pc:sldMk cId="4021805368" sldId="554"/>
+            <ac:spMk id="3" creationId="{1D524D76-16E9-E24B-93EE-2004D6252CE6}"/>
+          </ac:spMkLst>
+        </pc:spChg>
+        <pc:spChg chg="add del mod">
+          <ac:chgData name="Yunwei Wang" userId="304fa8a3-f6b4-47c4-8daf-6dee396ec296" providerId="ADAL" clId="{C39264DF-65A2-754A-B52F-40B5F6241EDE}" dt="2023-06-14T12:31:11.864" v="79" actId="767"/>
+          <ac:spMkLst>
+            <pc:docMk/>
+            <pc:sldMk cId="4021805368" sldId="554"/>
+            <ac:spMk id="4" creationId="{8BDC9016-EB7C-AA12-44F8-5B1B0A5D4249}"/>
+          </ac:spMkLst>
+        </pc:spChg>
+        <pc:spChg chg="mod">
+          <ac:chgData name="Yunwei Wang" userId="304fa8a3-f6b4-47c4-8daf-6dee396ec296" providerId="ADAL" clId="{C39264DF-65A2-754A-B52F-40B5F6241EDE}" dt="2023-06-14T12:34:23.792" v="126" actId="1076"/>
+          <ac:spMkLst>
+            <pc:docMk/>
+            <pc:sldMk cId="4021805368" sldId="554"/>
+            <ac:spMk id="5" creationId="{EEC14650-1795-1D49-A7D8-2B1E052DEE1A}"/>
+          </ac:spMkLst>
+        </pc:spChg>
+        <pc:spChg chg="add del mod">
+          <ac:chgData name="Yunwei Wang" userId="304fa8a3-f6b4-47c4-8daf-6dee396ec296" providerId="ADAL" clId="{C39264DF-65A2-754A-B52F-40B5F6241EDE}" dt="2023-06-14T12:34:24.650" v="128"/>
+          <ac:spMkLst>
+            <pc:docMk/>
+            <pc:sldMk cId="4021805368" sldId="554"/>
+            <ac:spMk id="6" creationId="{9640AF5E-6021-E3D6-83BE-160FFA06D09C}"/>
+          </ac:spMkLst>
+        </pc:spChg>
+        <pc:spChg chg="mod">
+          <ac:chgData name="Yunwei Wang" userId="304fa8a3-f6b4-47c4-8daf-6dee396ec296" providerId="ADAL" clId="{C39264DF-65A2-754A-B52F-40B5F6241EDE}" dt="2023-06-14T12:33:33.507" v="115" actId="108"/>
+          <ac:spMkLst>
+            <pc:docMk/>
+            <pc:sldMk cId="4021805368" sldId="554"/>
+            <ac:spMk id="8" creationId="{48FEFF3A-93B4-45CF-0D21-DF2779AED5D5}"/>
+          </ac:spMkLst>
+        </pc:spChg>
+      </pc:sldChg>
+      <pc:sldChg chg="addSp delSp modSp mod modClrScheme delAnim modAnim chgLayout">
+        <pc:chgData name="Yunwei Wang" userId="304fa8a3-f6b4-47c4-8daf-6dee396ec296" providerId="ADAL" clId="{C39264DF-65A2-754A-B52F-40B5F6241EDE}" dt="2023-06-14T14:25:19.100" v="1560"/>
+        <pc:sldMkLst>
+          <pc:docMk/>
+          <pc:sldMk cId="2666709789" sldId="557"/>
+        </pc:sldMkLst>
+        <pc:spChg chg="mod ord">
+          <ac:chgData name="Yunwei Wang" userId="304fa8a3-f6b4-47c4-8daf-6dee396ec296" providerId="ADAL" clId="{C39264DF-65A2-754A-B52F-40B5F6241EDE}" dt="2023-06-14T12:38:48.670" v="137" actId="700"/>
+          <ac:spMkLst>
+            <pc:docMk/>
+            <pc:sldMk cId="2666709789" sldId="557"/>
+            <ac:spMk id="2" creationId="{7C786E19-EA97-4549-9AC7-C3F4A1E30941}"/>
+          </ac:spMkLst>
+        </pc:spChg>
+        <pc:spChg chg="mod ord">
+          <ac:chgData name="Yunwei Wang" userId="304fa8a3-f6b4-47c4-8daf-6dee396ec296" providerId="ADAL" clId="{C39264DF-65A2-754A-B52F-40B5F6241EDE}" dt="2023-06-14T12:38:48.670" v="137" actId="700"/>
+          <ac:spMkLst>
+            <pc:docMk/>
+            <pc:sldMk cId="2666709789" sldId="557"/>
+            <ac:spMk id="3" creationId="{1D524D76-16E9-E24B-93EE-2004D6252CE6}"/>
+          </ac:spMkLst>
+        </pc:spChg>
+        <pc:spChg chg="del">
+          <ac:chgData name="Yunwei Wang" userId="304fa8a3-f6b4-47c4-8daf-6dee396ec296" providerId="ADAL" clId="{C39264DF-65A2-754A-B52F-40B5F6241EDE}" dt="2023-06-14T12:38:28.434" v="136" actId="478"/>
+          <ac:spMkLst>
+            <pc:docMk/>
+            <pc:sldMk cId="2666709789" sldId="557"/>
+            <ac:spMk id="5" creationId="{3FBD2558-195B-4B99-1E2F-04DCCCBA01EE}"/>
+          </ac:spMkLst>
+        </pc:spChg>
+        <pc:spChg chg="del">
+          <ac:chgData name="Yunwei Wang" userId="304fa8a3-f6b4-47c4-8daf-6dee396ec296" providerId="ADAL" clId="{C39264DF-65A2-754A-B52F-40B5F6241EDE}" dt="2023-06-14T12:38:28.434" v="136" actId="478"/>
+          <ac:spMkLst>
+            <pc:docMk/>
+            <pc:sldMk cId="2666709789" sldId="557"/>
+            <ac:spMk id="6" creationId="{CE4AF577-8766-65B1-CF5F-07D56A3E6388}"/>
+          </ac:spMkLst>
+        </pc:spChg>
+        <pc:spChg chg="add mod ord">
+          <ac:chgData name="Yunwei Wang" userId="304fa8a3-f6b4-47c4-8daf-6dee396ec296" providerId="ADAL" clId="{C39264DF-65A2-754A-B52F-40B5F6241EDE}" dt="2023-06-14T12:56:06.398" v="584" actId="14100"/>
+          <ac:spMkLst>
+            <pc:docMk/>
+            <pc:sldMk cId="2666709789" sldId="557"/>
+            <ac:spMk id="7" creationId="{04FDEE15-D063-D7DB-5EF4-13047ED811EE}"/>
+          </ac:spMkLst>
+        </pc:spChg>
+        <pc:spChg chg="del">
+          <ac:chgData name="Yunwei Wang" userId="304fa8a3-f6b4-47c4-8daf-6dee396ec296" providerId="ADAL" clId="{C39264DF-65A2-754A-B52F-40B5F6241EDE}" dt="2023-06-14T12:38:28.434" v="136" actId="478"/>
+          <ac:spMkLst>
+            <pc:docMk/>
+            <pc:sldMk cId="2666709789" sldId="557"/>
+            <ac:spMk id="9" creationId="{431B13FD-497B-09BE-AC3B-7F24C2892809}"/>
+          </ac:spMkLst>
+        </pc:spChg>
+        <pc:picChg chg="del mod">
+          <ac:chgData name="Yunwei Wang" userId="304fa8a3-f6b4-47c4-8daf-6dee396ec296" providerId="ADAL" clId="{C39264DF-65A2-754A-B52F-40B5F6241EDE}" dt="2023-06-14T12:35:07.227" v="135" actId="478"/>
+          <ac:picMkLst>
+            <pc:docMk/>
+            <pc:sldMk cId="2666709789" sldId="557"/>
+            <ac:picMk id="4" creationId="{AE3C2F81-739C-EB0C-67C1-DC71EEA4FC4E}"/>
+          </ac:picMkLst>
+        </pc:picChg>
+        <pc:picChg chg="add mod">
+          <ac:chgData name="Yunwei Wang" userId="304fa8a3-f6b4-47c4-8daf-6dee396ec296" providerId="ADAL" clId="{C39264DF-65A2-754A-B52F-40B5F6241EDE}" dt="2023-06-14T12:56:08.677" v="585" actId="1076"/>
+          <ac:picMkLst>
+            <pc:docMk/>
+            <pc:sldMk cId="2666709789" sldId="557"/>
+            <ac:picMk id="8" creationId="{E45040B3-BA98-49EE-88AE-812B4873CCDB}"/>
+          </ac:picMkLst>
+        </pc:picChg>
+      </pc:sldChg>
+      <pc:sldChg chg="addSp delSp modSp mod modClrScheme delAnim modAnim chgLayout">
+        <pc:chgData name="Yunwei Wang" userId="304fa8a3-f6b4-47c4-8daf-6dee396ec296" providerId="ADAL" clId="{C39264DF-65A2-754A-B52F-40B5F6241EDE}" dt="2023-06-14T14:28:38.133" v="1608"/>
+        <pc:sldMkLst>
+          <pc:docMk/>
+          <pc:sldMk cId="2252337431" sldId="575"/>
+        </pc:sldMkLst>
+        <pc:spChg chg="mod ord">
+          <ac:chgData name="Yunwei Wang" userId="304fa8a3-f6b4-47c4-8daf-6dee396ec296" providerId="ADAL" clId="{C39264DF-65A2-754A-B52F-40B5F6241EDE}" dt="2023-06-14T13:05:21.310" v="598" actId="700"/>
+          <ac:spMkLst>
+            <pc:docMk/>
+            <pc:sldMk cId="2252337431" sldId="575"/>
+            <ac:spMk id="2" creationId="{7C786E19-EA97-4549-9AC7-C3F4A1E30941}"/>
+          </ac:spMkLst>
+        </pc:spChg>
+        <pc:spChg chg="mod ord">
+          <ac:chgData name="Yunwei Wang" userId="304fa8a3-f6b4-47c4-8daf-6dee396ec296" providerId="ADAL" clId="{C39264DF-65A2-754A-B52F-40B5F6241EDE}" dt="2023-06-14T13:05:21.310" v="598" actId="700"/>
+          <ac:spMkLst>
+            <pc:docMk/>
+            <pc:sldMk cId="2252337431" sldId="575"/>
+            <ac:spMk id="3" creationId="{1D524D76-16E9-E24B-93EE-2004D6252CE6}"/>
+          </ac:spMkLst>
+        </pc:spChg>
+        <pc:spChg chg="add mod ord">
+          <ac:chgData name="Yunwei Wang" userId="304fa8a3-f6b4-47c4-8daf-6dee396ec296" providerId="ADAL" clId="{C39264DF-65A2-754A-B52F-40B5F6241EDE}" dt="2023-06-14T13:08:44.832" v="661" actId="20577"/>
+          <ac:spMkLst>
+            <pc:docMk/>
+            <pc:sldMk cId="2252337431" sldId="575"/>
+            <ac:spMk id="6" creationId="{8FF46A5F-875F-7673-6031-6CA533AD0DBF}"/>
+          </ac:spMkLst>
+        </pc:spChg>
+        <pc:spChg chg="del">
+          <ac:chgData name="Yunwei Wang" userId="304fa8a3-f6b4-47c4-8daf-6dee396ec296" providerId="ADAL" clId="{C39264DF-65A2-754A-B52F-40B5F6241EDE}" dt="2023-06-14T13:05:12.320" v="596" actId="478"/>
+          <ac:spMkLst>
+            <pc:docMk/>
+            <pc:sldMk cId="2252337431" sldId="575"/>
+            <ac:spMk id="11" creationId="{9E9F1C81-010B-80A2-6261-0C0B74B331FE}"/>
+          </ac:spMkLst>
+        </pc:spChg>
+        <pc:spChg chg="del">
+          <ac:chgData name="Yunwei Wang" userId="304fa8a3-f6b4-47c4-8daf-6dee396ec296" providerId="ADAL" clId="{C39264DF-65A2-754A-B52F-40B5F6241EDE}" dt="2023-06-14T13:05:12.320" v="596" actId="478"/>
+          <ac:spMkLst>
+            <pc:docMk/>
+            <pc:sldMk cId="2252337431" sldId="575"/>
+            <ac:spMk id="12" creationId="{2CA7CA4B-9629-19AE-D434-00408013A301}"/>
+          </ac:spMkLst>
+        </pc:spChg>
+        <pc:picChg chg="del">
+          <ac:chgData name="Yunwei Wang" userId="304fa8a3-f6b4-47c4-8daf-6dee396ec296" providerId="ADAL" clId="{C39264DF-65A2-754A-B52F-40B5F6241EDE}" dt="2023-06-14T13:05:12.320" v="596" actId="478"/>
+          <ac:picMkLst>
+            <pc:docMk/>
+            <pc:sldMk cId="2252337431" sldId="575"/>
+            <ac:picMk id="4" creationId="{91071863-2766-D8E3-6E5C-259745A6FEA8}"/>
+          </ac:picMkLst>
+        </pc:picChg>
+        <pc:picChg chg="del">
+          <ac:chgData name="Yunwei Wang" userId="304fa8a3-f6b4-47c4-8daf-6dee396ec296" providerId="ADAL" clId="{C39264DF-65A2-754A-B52F-40B5F6241EDE}" dt="2023-06-14T13:05:16.819" v="597" actId="478"/>
+          <ac:picMkLst>
+            <pc:docMk/>
+            <pc:sldMk cId="2252337431" sldId="575"/>
+            <ac:picMk id="5" creationId="{73FFA555-A877-5876-847B-E31072464C4F}"/>
+          </ac:picMkLst>
+        </pc:picChg>
+      </pc:sldChg>
+      <pc:sldChg chg="addSp delSp modSp mod modClrScheme delAnim modAnim chgLayout">
+        <pc:chgData name="Yunwei Wang" userId="304fa8a3-f6b4-47c4-8daf-6dee396ec296" providerId="ADAL" clId="{C39264DF-65A2-754A-B52F-40B5F6241EDE}" dt="2023-06-14T14:30:17.531" v="1611" actId="14100"/>
+        <pc:sldMkLst>
+          <pc:docMk/>
+          <pc:sldMk cId="3350996700" sldId="587"/>
+        </pc:sldMkLst>
+        <pc:spChg chg="mod ord">
+          <ac:chgData name="Yunwei Wang" userId="304fa8a3-f6b4-47c4-8daf-6dee396ec296" providerId="ADAL" clId="{C39264DF-65A2-754A-B52F-40B5F6241EDE}" dt="2023-06-14T13:09:44.603" v="667" actId="700"/>
+          <ac:spMkLst>
+            <pc:docMk/>
+            <pc:sldMk cId="3350996700" sldId="587"/>
+            <ac:spMk id="2" creationId="{85DE10BE-47A1-9608-8497-D6FB74E00EFA}"/>
+          </ac:spMkLst>
+        </pc:spChg>
+        <pc:spChg chg="mod ord">
+          <ac:chgData name="Yunwei Wang" userId="304fa8a3-f6b4-47c4-8daf-6dee396ec296" providerId="ADAL" clId="{C39264DF-65A2-754A-B52F-40B5F6241EDE}" dt="2023-06-14T14:30:17.531" v="1611" actId="14100"/>
+          <ac:spMkLst>
+            <pc:docMk/>
+            <pc:sldMk cId="3350996700" sldId="587"/>
+            <ac:spMk id="3" creationId="{84FF1D69-264C-9F57-64ED-381456A9D0C0}"/>
+          </ac:spMkLst>
+        </pc:spChg>
+        <pc:spChg chg="add mod ord">
+          <ac:chgData name="Yunwei Wang" userId="304fa8a3-f6b4-47c4-8daf-6dee396ec296" providerId="ADAL" clId="{C39264DF-65A2-754A-B52F-40B5F6241EDE}" dt="2023-06-14T13:19:11.539" v="752" actId="207"/>
+          <ac:spMkLst>
+            <pc:docMk/>
+            <pc:sldMk cId="3350996700" sldId="587"/>
+            <ac:spMk id="4" creationId="{EBED5C87-358E-D829-7331-FE10D0F8655A}"/>
+          </ac:spMkLst>
+        </pc:spChg>
+        <pc:spChg chg="del">
+          <ac:chgData name="Yunwei Wang" userId="304fa8a3-f6b4-47c4-8daf-6dee396ec296" providerId="ADAL" clId="{C39264DF-65A2-754A-B52F-40B5F6241EDE}" dt="2023-06-14T13:09:41.271" v="666" actId="478"/>
+          <ac:spMkLst>
+            <pc:docMk/>
+            <pc:sldMk cId="3350996700" sldId="587"/>
+            <ac:spMk id="8" creationId="{66350B6F-6D10-354D-4D6B-1A83B7AECC7A}"/>
+          </ac:spMkLst>
+        </pc:spChg>
+        <pc:picChg chg="del">
+          <ac:chgData name="Yunwei Wang" userId="304fa8a3-f6b4-47c4-8daf-6dee396ec296" providerId="ADAL" clId="{C39264DF-65A2-754A-B52F-40B5F6241EDE}" dt="2023-06-14T13:09:39.125" v="664" actId="478"/>
+          <ac:picMkLst>
+            <pc:docMk/>
+            <pc:sldMk cId="3350996700" sldId="587"/>
+            <ac:picMk id="6" creationId="{52965C3F-589C-FA4C-0CC2-F94758311356}"/>
+          </ac:picMkLst>
+        </pc:picChg>
+        <pc:picChg chg="del">
+          <ac:chgData name="Yunwei Wang" userId="304fa8a3-f6b4-47c4-8daf-6dee396ec296" providerId="ADAL" clId="{C39264DF-65A2-754A-B52F-40B5F6241EDE}" dt="2023-06-14T13:09:39.991" v="665" actId="478"/>
+          <ac:picMkLst>
+            <pc:docMk/>
+            <pc:sldMk cId="3350996700" sldId="587"/>
+            <ac:picMk id="9" creationId="{F1DB3A93-9C07-0C56-7F3F-FE47B5B6EA11}"/>
+          </ac:picMkLst>
+        </pc:picChg>
+      </pc:sldChg>
+      <pc:sldChg chg="del">
+        <pc:chgData name="Yunwei Wang" userId="304fa8a3-f6b4-47c4-8daf-6dee396ec296" providerId="ADAL" clId="{C39264DF-65A2-754A-B52F-40B5F6241EDE}" dt="2023-06-14T14:24:02.461" v="1544" actId="2696"/>
+        <pc:sldMkLst>
+          <pc:docMk/>
+          <pc:sldMk cId="4175298405" sldId="588"/>
+        </pc:sldMkLst>
+      </pc:sldChg>
+      <pc:sldChg chg="del">
+        <pc:chgData name="Yunwei Wang" userId="304fa8a3-f6b4-47c4-8daf-6dee396ec296" providerId="ADAL" clId="{C39264DF-65A2-754A-B52F-40B5F6241EDE}" dt="2023-06-14T14:24:03.169" v="1545" actId="2696"/>
+        <pc:sldMkLst>
+          <pc:docMk/>
+          <pc:sldMk cId="1818914231" sldId="589"/>
+        </pc:sldMkLst>
+      </pc:sldChg>
+      <pc:sldChg chg="del">
+        <pc:chgData name="Yunwei Wang" userId="304fa8a3-f6b4-47c4-8daf-6dee396ec296" providerId="ADAL" clId="{C39264DF-65A2-754A-B52F-40B5F6241EDE}" dt="2023-06-14T14:24:04.328" v="1547" actId="2696"/>
+        <pc:sldMkLst>
+          <pc:docMk/>
+          <pc:sldMk cId="3306483889" sldId="590"/>
+        </pc:sldMkLst>
+      </pc:sldChg>
+      <pc:sldChg chg="del">
+        <pc:chgData name="Yunwei Wang" userId="304fa8a3-f6b4-47c4-8daf-6dee396ec296" providerId="ADAL" clId="{C39264DF-65A2-754A-B52F-40B5F6241EDE}" dt="2023-06-14T14:24:03.662" v="1546" actId="2696"/>
+        <pc:sldMkLst>
+          <pc:docMk/>
+          <pc:sldMk cId="1064735212" sldId="591"/>
+        </pc:sldMkLst>
+      </pc:sldChg>
+      <pc:sldChg chg="del">
+        <pc:chgData name="Yunwei Wang" userId="304fa8a3-f6b4-47c4-8daf-6dee396ec296" providerId="ADAL" clId="{C39264DF-65A2-754A-B52F-40B5F6241EDE}" dt="2023-06-14T14:24:05.467" v="1548" actId="2696"/>
+        <pc:sldMkLst>
+          <pc:docMk/>
+          <pc:sldMk cId="1964552117" sldId="592"/>
+        </pc:sldMkLst>
+      </pc:sldChg>
+      <pc:sldChg chg="del">
+        <pc:chgData name="Yunwei Wang" userId="304fa8a3-f6b4-47c4-8daf-6dee396ec296" providerId="ADAL" clId="{C39264DF-65A2-754A-B52F-40B5F6241EDE}" dt="2023-06-14T14:24:08.496" v="1549" actId="2696"/>
+        <pc:sldMkLst>
+          <pc:docMk/>
+          <pc:sldMk cId="577522648" sldId="593"/>
+        </pc:sldMkLst>
+      </pc:sldChg>
+      <pc:sldChg chg="del">
+        <pc:chgData name="Yunwei Wang" userId="304fa8a3-f6b4-47c4-8daf-6dee396ec296" providerId="ADAL" clId="{C39264DF-65A2-754A-B52F-40B5F6241EDE}" dt="2023-06-14T14:24:10.155" v="1550" actId="2696"/>
+        <pc:sldMkLst>
+          <pc:docMk/>
+          <pc:sldMk cId="3345383473" sldId="594"/>
+        </pc:sldMkLst>
+      </pc:sldChg>
+      <pc:sldChg chg="del">
+        <pc:chgData name="Yunwei Wang" userId="304fa8a3-f6b4-47c4-8daf-6dee396ec296" providerId="ADAL" clId="{C39264DF-65A2-754A-B52F-40B5F6241EDE}" dt="2023-06-14T14:24:17.692" v="1551" actId="2696"/>
+        <pc:sldMkLst>
+          <pc:docMk/>
+          <pc:sldMk cId="4010502795" sldId="595"/>
+        </pc:sldMkLst>
+      </pc:sldChg>
+      <pc:sldChg chg="del">
+        <pc:chgData name="Yunwei Wang" userId="304fa8a3-f6b4-47c4-8daf-6dee396ec296" providerId="ADAL" clId="{C39264DF-65A2-754A-B52F-40B5F6241EDE}" dt="2023-06-14T14:24:19.235" v="1552" actId="2696"/>
+        <pc:sldMkLst>
+          <pc:docMk/>
+          <pc:sldMk cId="1367250476" sldId="596"/>
+        </pc:sldMkLst>
+      </pc:sldChg>
+      <pc:sldChg chg="addSp delSp modSp new mod modAnim">
+        <pc:chgData name="Yunwei Wang" userId="304fa8a3-f6b4-47c4-8daf-6dee396ec296" providerId="ADAL" clId="{C39264DF-65A2-754A-B52F-40B5F6241EDE}" dt="2023-06-14T14:28:21.289" v="1606" actId="20577"/>
+        <pc:sldMkLst>
+          <pc:docMk/>
+          <pc:sldMk cId="478789489" sldId="597"/>
+        </pc:sldMkLst>
+        <pc:spChg chg="mod">
+          <ac:chgData name="Yunwei Wang" userId="304fa8a3-f6b4-47c4-8daf-6dee396ec296" providerId="ADAL" clId="{C39264DF-65A2-754A-B52F-40B5F6241EDE}" dt="2023-06-14T14:28:21.289" v="1606" actId="20577"/>
+          <ac:spMkLst>
+            <pc:docMk/>
+            <pc:sldMk cId="478789489" sldId="597"/>
+            <ac:spMk id="4" creationId="{017472AC-FB25-4E43-0937-FA5597FFD1C9}"/>
+          </ac:spMkLst>
+        </pc:spChg>
+        <pc:spChg chg="add del">
+          <ac:chgData name="Yunwei Wang" userId="304fa8a3-f6b4-47c4-8daf-6dee396ec296" providerId="ADAL" clId="{C39264DF-65A2-754A-B52F-40B5F6241EDE}" dt="2023-06-14T12:53:54.574" v="554" actId="22"/>
+          <ac:spMkLst>
+            <pc:docMk/>
+            <pc:sldMk cId="478789489" sldId="597"/>
+            <ac:spMk id="7" creationId="{50EB0069-3CE0-B018-4994-404A761E6C9E}"/>
+          </ac:spMkLst>
+        </pc:spChg>
+        <pc:graphicFrameChg chg="add del mod">
+          <ac:chgData name="Yunwei Wang" userId="304fa8a3-f6b4-47c4-8daf-6dee396ec296" providerId="ADAL" clId="{C39264DF-65A2-754A-B52F-40B5F6241EDE}" dt="2023-06-14T12:53:55.207" v="555"/>
+          <ac:graphicFrameMkLst>
+            <pc:docMk/>
+            <pc:sldMk cId="478789489" sldId="597"/>
+            <ac:graphicFrameMk id="5" creationId="{1BF55B04-B02D-48B4-A77F-A9E181A1D125}"/>
+          </ac:graphicFrameMkLst>
+        </pc:graphicFrameChg>
+      </pc:sldChg>
+      <pc:sldChg chg="modSp new mod">
+        <pc:chgData name="Yunwei Wang" userId="304fa8a3-f6b4-47c4-8daf-6dee396ec296" providerId="ADAL" clId="{C39264DF-65A2-754A-B52F-40B5F6241EDE}" dt="2023-06-14T13:52:32.955" v="1287" actId="20577"/>
+        <pc:sldMkLst>
+          <pc:docMk/>
+          <pc:sldMk cId="4204798997" sldId="598"/>
+        </pc:sldMkLst>
+        <pc:spChg chg="mod">
+          <ac:chgData name="Yunwei Wang" userId="304fa8a3-f6b4-47c4-8daf-6dee396ec296" providerId="ADAL" clId="{C39264DF-65A2-754A-B52F-40B5F6241EDE}" dt="2023-06-14T13:19:44.909" v="797" actId="20577"/>
+          <ac:spMkLst>
+            <pc:docMk/>
+            <pc:sldMk cId="4204798997" sldId="598"/>
+            <ac:spMk id="3" creationId="{BCE07320-2A8F-1BB5-23DA-B5346C915CF4}"/>
+          </ac:spMkLst>
+        </pc:spChg>
+        <pc:spChg chg="mod">
+          <ac:chgData name="Yunwei Wang" userId="304fa8a3-f6b4-47c4-8daf-6dee396ec296" providerId="ADAL" clId="{C39264DF-65A2-754A-B52F-40B5F6241EDE}" dt="2023-06-14T13:52:32.955" v="1287" actId="20577"/>
+          <ac:spMkLst>
+            <pc:docMk/>
+            <pc:sldMk cId="4204798997" sldId="598"/>
+            <ac:spMk id="4" creationId="{06651D22-9509-BE22-6202-8EA67CFDAC6F}"/>
+          </ac:spMkLst>
+        </pc:spChg>
+      </pc:sldChg>
+      <pc:sldChg chg="modSp new mod">
+        <pc:chgData name="Yunwei Wang" userId="304fa8a3-f6b4-47c4-8daf-6dee396ec296" providerId="ADAL" clId="{C39264DF-65A2-754A-B52F-40B5F6241EDE}" dt="2023-06-14T13:43:09.031" v="1233" actId="20577"/>
+        <pc:sldMkLst>
+          <pc:docMk/>
+          <pc:sldMk cId="3181230257" sldId="599"/>
+        </pc:sldMkLst>
+        <pc:spChg chg="mod">
+          <ac:chgData name="Yunwei Wang" userId="304fa8a3-f6b4-47c4-8daf-6dee396ec296" providerId="ADAL" clId="{C39264DF-65A2-754A-B52F-40B5F6241EDE}" dt="2023-06-14T13:43:09.031" v="1233" actId="20577"/>
+          <ac:spMkLst>
+            <pc:docMk/>
+            <pc:sldMk cId="3181230257" sldId="599"/>
+            <ac:spMk id="3" creationId="{16FC9D19-60C1-53B7-296C-F9B4C0B3D1A2}"/>
+          </ac:spMkLst>
+        </pc:spChg>
+        <pc:spChg chg="mod">
+          <ac:chgData name="Yunwei Wang" userId="304fa8a3-f6b4-47c4-8daf-6dee396ec296" providerId="ADAL" clId="{C39264DF-65A2-754A-B52F-40B5F6241EDE}" dt="2023-06-14T13:42:46.883" v="1201" actId="20577"/>
+          <ac:spMkLst>
+            <pc:docMk/>
+            <pc:sldMk cId="3181230257" sldId="599"/>
+            <ac:spMk id="4" creationId="{0F1B451B-94A2-7707-3CF8-952DA5423772}"/>
+          </ac:spMkLst>
+        </pc:spChg>
+      </pc:sldChg>
+      <pc:sldChg chg="modSp new mod">
+        <pc:chgData name="Yunwei Wang" userId="304fa8a3-f6b4-47c4-8daf-6dee396ec296" providerId="ADAL" clId="{C39264DF-65A2-754A-B52F-40B5F6241EDE}" dt="2023-06-14T14:37:28.299" v="1745" actId="20577"/>
+        <pc:sldMkLst>
+          <pc:docMk/>
+          <pc:sldMk cId="2201829971" sldId="600"/>
+        </pc:sldMkLst>
+        <pc:spChg chg="mod">
+          <ac:chgData name="Yunwei Wang" userId="304fa8a3-f6b4-47c4-8daf-6dee396ec296" providerId="ADAL" clId="{C39264DF-65A2-754A-B52F-40B5F6241EDE}" dt="2023-06-14T13:43:02.625" v="1227" actId="20577"/>
+          <ac:spMkLst>
+            <pc:docMk/>
+            <pc:sldMk cId="2201829971" sldId="600"/>
+            <ac:spMk id="3" creationId="{09635BE6-D5CB-7E30-AEEF-ED56C1086EEC}"/>
+          </ac:spMkLst>
+        </pc:spChg>
+        <pc:spChg chg="mod">
+          <ac:chgData name="Yunwei Wang" userId="304fa8a3-f6b4-47c4-8daf-6dee396ec296" providerId="ADAL" clId="{C39264DF-65A2-754A-B52F-40B5F6241EDE}" dt="2023-06-14T14:37:28.299" v="1745" actId="20577"/>
+          <ac:spMkLst>
+            <pc:docMk/>
+            <pc:sldMk cId="2201829971" sldId="600"/>
+            <ac:spMk id="4" creationId="{9BBFC5BE-74D1-F904-0524-39C3A2AB39F7}"/>
+          </ac:spMkLst>
+        </pc:spChg>
+      </pc:sldChg>
+      <pc:sldChg chg="modSp new mod modAnim">
+        <pc:chgData name="Yunwei Wang" userId="304fa8a3-f6b4-47c4-8daf-6dee396ec296" providerId="ADAL" clId="{C39264DF-65A2-754A-B52F-40B5F6241EDE}" dt="2023-06-14T14:32:31.994" v="1627" actId="20577"/>
+        <pc:sldMkLst>
+          <pc:docMk/>
+          <pc:sldMk cId="3702039063" sldId="601"/>
+        </pc:sldMkLst>
+        <pc:spChg chg="mod">
+          <ac:chgData name="Yunwei Wang" userId="304fa8a3-f6b4-47c4-8daf-6dee396ec296" providerId="ADAL" clId="{C39264DF-65A2-754A-B52F-40B5F6241EDE}" dt="2023-06-14T14:21:07.123" v="1310" actId="20577"/>
+          <ac:spMkLst>
+            <pc:docMk/>
+            <pc:sldMk cId="3702039063" sldId="601"/>
+            <ac:spMk id="3" creationId="{F90007A0-C254-E5F0-73C4-818F3612215F}"/>
+          </ac:spMkLst>
+        </pc:spChg>
+        <pc:spChg chg="mod">
+          <ac:chgData name="Yunwei Wang" userId="304fa8a3-f6b4-47c4-8daf-6dee396ec296" providerId="ADAL" clId="{C39264DF-65A2-754A-B52F-40B5F6241EDE}" dt="2023-06-14T14:32:31.994" v="1627" actId="20577"/>
+          <ac:spMkLst>
+            <pc:docMk/>
+            <pc:sldMk cId="3702039063" sldId="601"/>
+            <ac:spMk id="4" creationId="{ABFD4798-068F-9530-94BB-A218B196454D}"/>
+          </ac:spMkLst>
+        </pc:spChg>
+      </pc:sldChg>
+    </pc:docChg>
+  </pc:docChgLst>
+  <pc:docChgLst>
+    <pc:chgData name="Robert C Scanlon" userId="87c65fe5-daa8-4da7-88d7-94f711cfd484" providerId="ADAL" clId="{FCBF4661-391E-394D-92F5-E1CE4094A0D1}"/>
+    <pc:docChg chg="custSel addSld delSld modSld modSection">
+      <pc:chgData name="Robert C Scanlon" userId="87c65fe5-daa8-4da7-88d7-94f711cfd484" providerId="ADAL" clId="{FCBF4661-391E-394D-92F5-E1CE4094A0D1}" dt="2023-09-13T16:52:19.883" v="1341" actId="20577"/>
+      <pc:docMkLst>
+        <pc:docMk/>
+      </pc:docMkLst>
+      <pc:sldChg chg="modSp mod">
+        <pc:chgData name="Robert C Scanlon" userId="87c65fe5-daa8-4da7-88d7-94f711cfd484" providerId="ADAL" clId="{FCBF4661-391E-394D-92F5-E1CE4094A0D1}" dt="2023-09-13T14:47:50.628" v="30" actId="20577"/>
+        <pc:sldMkLst>
+          <pc:docMk/>
+          <pc:sldMk cId="171403637" sldId="367"/>
+        </pc:sldMkLst>
+        <pc:spChg chg="mod">
+          <ac:chgData name="Robert C Scanlon" userId="87c65fe5-daa8-4da7-88d7-94f711cfd484" providerId="ADAL" clId="{FCBF4661-391E-394D-92F5-E1CE4094A0D1}" dt="2023-09-13T14:47:43.808" v="14" actId="20577"/>
+          <ac:spMkLst>
+            <pc:docMk/>
+            <pc:sldMk cId="171403637" sldId="367"/>
+            <ac:spMk id="11" creationId="{F9B77AE9-225F-48B2-BA99-84435A6064AD}"/>
+          </ac:spMkLst>
+        </pc:spChg>
+        <pc:spChg chg="mod">
+          <ac:chgData name="Robert C Scanlon" userId="87c65fe5-daa8-4da7-88d7-94f711cfd484" providerId="ADAL" clId="{FCBF4661-391E-394D-92F5-E1CE4094A0D1}" dt="2023-09-13T14:47:50.628" v="30" actId="20577"/>
+          <ac:spMkLst>
+            <pc:docMk/>
+            <pc:sldMk cId="171403637" sldId="367"/>
+            <ac:spMk id="12" creationId="{7DDF988F-A5F6-437B-A882-E9FEF1C20A78}"/>
+          </ac:spMkLst>
+        </pc:spChg>
+      </pc:sldChg>
+      <pc:sldChg chg="modSp mod">
+        <pc:chgData name="Robert C Scanlon" userId="87c65fe5-daa8-4da7-88d7-94f711cfd484" providerId="ADAL" clId="{FCBF4661-391E-394D-92F5-E1CE4094A0D1}" dt="2023-09-13T14:47:56.312" v="32" actId="20577"/>
+        <pc:sldMkLst>
+          <pc:docMk/>
+          <pc:sldMk cId="644276027" sldId="400"/>
+        </pc:sldMkLst>
+        <pc:spChg chg="mod">
+          <ac:chgData name="Robert C Scanlon" userId="87c65fe5-daa8-4da7-88d7-94f711cfd484" providerId="ADAL" clId="{FCBF4661-391E-394D-92F5-E1CE4094A0D1}" dt="2023-09-13T14:47:56.312" v="32" actId="20577"/>
+          <ac:spMkLst>
+            <pc:docMk/>
+            <pc:sldMk cId="644276027" sldId="400"/>
+            <ac:spMk id="4" creationId="{5481D4A7-8373-6840-BED9-F0655E985BE1}"/>
+          </ac:spMkLst>
+        </pc:spChg>
+      </pc:sldChg>
+      <pc:sldChg chg="modSp mod">
+        <pc:chgData name="Robert C Scanlon" userId="87c65fe5-daa8-4da7-88d7-94f711cfd484" providerId="ADAL" clId="{FCBF4661-391E-394D-92F5-E1CE4094A0D1}" dt="2023-09-13T16:52:19.883" v="1341" actId="20577"/>
+        <pc:sldMkLst>
+          <pc:docMk/>
+          <pc:sldMk cId="2774878609" sldId="410"/>
+        </pc:sldMkLst>
+        <pc:spChg chg="mod">
+          <ac:chgData name="Robert C Scanlon" userId="87c65fe5-daa8-4da7-88d7-94f711cfd484" providerId="ADAL" clId="{FCBF4661-391E-394D-92F5-E1CE4094A0D1}" dt="2023-09-13T16:52:19.883" v="1341" actId="20577"/>
+          <ac:spMkLst>
+            <pc:docMk/>
+            <pc:sldMk cId="2774878609" sldId="410"/>
+            <ac:spMk id="4" creationId="{912C2DC4-E347-394E-8CF8-F14848A56B5B}"/>
+          </ac:spMkLst>
+        </pc:spChg>
+      </pc:sldChg>
+      <pc:sldChg chg="modSp mod">
+        <pc:chgData name="Robert C Scanlon" userId="87c65fe5-daa8-4da7-88d7-94f711cfd484" providerId="ADAL" clId="{FCBF4661-391E-394D-92F5-E1CE4094A0D1}" dt="2023-09-13T16:31:04.058" v="668" actId="20577"/>
+        <pc:sldMkLst>
+          <pc:docMk/>
+          <pc:sldMk cId="4021805368" sldId="554"/>
+        </pc:sldMkLst>
+        <pc:spChg chg="mod">
+          <ac:chgData name="Robert C Scanlon" userId="87c65fe5-daa8-4da7-88d7-94f711cfd484" providerId="ADAL" clId="{FCBF4661-391E-394D-92F5-E1CE4094A0D1}" dt="2023-09-13T14:48:17.607" v="36" actId="20577"/>
+          <ac:spMkLst>
+            <pc:docMk/>
+            <pc:sldMk cId="4021805368" sldId="554"/>
+            <ac:spMk id="3" creationId="{1D524D76-16E9-E24B-93EE-2004D6252CE6}"/>
+          </ac:spMkLst>
+        </pc:spChg>
+        <pc:spChg chg="mod">
+          <ac:chgData name="Robert C Scanlon" userId="87c65fe5-daa8-4da7-88d7-94f711cfd484" providerId="ADAL" clId="{FCBF4661-391E-394D-92F5-E1CE4094A0D1}" dt="2023-09-13T16:30:52.605" v="666" actId="20577"/>
+          <ac:spMkLst>
+            <pc:docMk/>
+            <pc:sldMk cId="4021805368" sldId="554"/>
+            <ac:spMk id="5" creationId="{EEC14650-1795-1D49-A7D8-2B1E052DEE1A}"/>
+          </ac:spMkLst>
+        </pc:spChg>
+        <pc:spChg chg="mod">
+          <ac:chgData name="Robert C Scanlon" userId="87c65fe5-daa8-4da7-88d7-94f711cfd484" providerId="ADAL" clId="{FCBF4661-391E-394D-92F5-E1CE4094A0D1}" dt="2023-09-13T16:31:04.058" v="668" actId="20577"/>
+          <ac:spMkLst>
+            <pc:docMk/>
+            <pc:sldMk cId="4021805368" sldId="554"/>
+            <ac:spMk id="8" creationId="{48FEFF3A-93B4-45CF-0D21-DF2779AED5D5}"/>
+          </ac:spMkLst>
+        </pc:spChg>
+      </pc:sldChg>
+      <pc:sldChg chg="del">
+        <pc:chgData name="Robert C Scanlon" userId="87c65fe5-daa8-4da7-88d7-94f711cfd484" providerId="ADAL" clId="{FCBF4661-391E-394D-92F5-E1CE4094A0D1}" dt="2023-09-13T16:31:14.738" v="670" actId="2696"/>
+        <pc:sldMkLst>
+          <pc:docMk/>
+          <pc:sldMk cId="2666709789" sldId="557"/>
+        </pc:sldMkLst>
+      </pc:sldChg>
+      <pc:sldChg chg="modSp mod">
+        <pc:chgData name="Robert C Scanlon" userId="87c65fe5-daa8-4da7-88d7-94f711cfd484" providerId="ADAL" clId="{FCBF4661-391E-394D-92F5-E1CE4094A0D1}" dt="2023-09-13T16:35:42.285" v="1309" actId="20577"/>
+        <pc:sldMkLst>
+          <pc:docMk/>
+          <pc:sldMk cId="4204798997" sldId="598"/>
+        </pc:sldMkLst>
+        <pc:spChg chg="mod">
+          <ac:chgData name="Robert C Scanlon" userId="87c65fe5-daa8-4da7-88d7-94f711cfd484" providerId="ADAL" clId="{FCBF4661-391E-394D-92F5-E1CE4094A0D1}" dt="2023-09-13T16:31:18.896" v="676" actId="20577"/>
+          <ac:spMkLst>
+            <pc:docMk/>
+            <pc:sldMk cId="4204798997" sldId="598"/>
+            <ac:spMk id="3" creationId="{BCE07320-2A8F-1BB5-23DA-B5346C915CF4}"/>
+          </ac:spMkLst>
+        </pc:spChg>
+        <pc:spChg chg="mod">
+          <ac:chgData name="Robert C Scanlon" userId="87c65fe5-daa8-4da7-88d7-94f711cfd484" providerId="ADAL" clId="{FCBF4661-391E-394D-92F5-E1CE4094A0D1}" dt="2023-09-13T16:35:42.285" v="1309" actId="20577"/>
+          <ac:spMkLst>
+            <pc:docMk/>
+            <pc:sldMk cId="4204798997" sldId="598"/>
+            <ac:spMk id="4" creationId="{06651D22-9509-BE22-6202-8EA67CFDAC6F}"/>
+          </ac:spMkLst>
+        </pc:spChg>
+      </pc:sldChg>
+      <pc:sldChg chg="del">
+        <pc:chgData name="Robert C Scanlon" userId="87c65fe5-daa8-4da7-88d7-94f711cfd484" providerId="ADAL" clId="{FCBF4661-391E-394D-92F5-E1CE4094A0D1}" dt="2023-09-13T16:31:14.752" v="673" actId="2696"/>
+        <pc:sldMkLst>
+          <pc:docMk/>
+          <pc:sldMk cId="4054617594" sldId="602"/>
+        </pc:sldMkLst>
+      </pc:sldChg>
+      <pc:sldChg chg="del">
+        <pc:chgData name="Robert C Scanlon" userId="87c65fe5-daa8-4da7-88d7-94f711cfd484" providerId="ADAL" clId="{FCBF4661-391E-394D-92F5-E1CE4094A0D1}" dt="2023-09-13T16:31:14.740" v="671" actId="2696"/>
+        <pc:sldMkLst>
+          <pc:docMk/>
+          <pc:sldMk cId="1142398699" sldId="603"/>
+        </pc:sldMkLst>
+      </pc:sldChg>
+      <pc:sldChg chg="del">
+        <pc:chgData name="Robert C Scanlon" userId="87c65fe5-daa8-4da7-88d7-94f711cfd484" providerId="ADAL" clId="{FCBF4661-391E-394D-92F5-E1CE4094A0D1}" dt="2023-09-13T16:31:14.741" v="672" actId="2696"/>
+        <pc:sldMkLst>
+          <pc:docMk/>
+          <pc:sldMk cId="1830281673" sldId="604"/>
+        </pc:sldMkLst>
+      </pc:sldChg>
+      <pc:sldChg chg="addSp modSp new mod">
+        <pc:chgData name="Robert C Scanlon" userId="87c65fe5-daa8-4da7-88d7-94f711cfd484" providerId="ADAL" clId="{FCBF4661-391E-394D-92F5-E1CE4094A0D1}" dt="2023-09-13T16:38:56.865" v="1313" actId="20577"/>
+        <pc:sldMkLst>
+          <pc:docMk/>
+          <pc:sldMk cId="197126652" sldId="605"/>
+        </pc:sldMkLst>
+        <pc:spChg chg="mod">
+          <ac:chgData name="Robert C Scanlon" userId="87c65fe5-daa8-4da7-88d7-94f711cfd484" providerId="ADAL" clId="{FCBF4661-391E-394D-92F5-E1CE4094A0D1}" dt="2023-09-13T16:38:56.865" v="1313" actId="20577"/>
+          <ac:spMkLst>
+            <pc:docMk/>
+            <pc:sldMk cId="197126652" sldId="605"/>
+            <ac:spMk id="3" creationId="{2EA5CA43-5C33-2A5D-09E5-CDF4E2DB6577}"/>
+          </ac:spMkLst>
+        </pc:spChg>
+        <pc:spChg chg="mod">
+          <ac:chgData name="Robert C Scanlon" userId="87c65fe5-daa8-4da7-88d7-94f711cfd484" providerId="ADAL" clId="{FCBF4661-391E-394D-92F5-E1CE4094A0D1}" dt="2023-09-13T16:29:33.822" v="496" actId="20577"/>
+          <ac:spMkLst>
+            <pc:docMk/>
+            <pc:sldMk cId="197126652" sldId="605"/>
+            <ac:spMk id="4" creationId="{C66710A3-E780-41D3-A403-2828884FC524}"/>
+          </ac:spMkLst>
+        </pc:spChg>
+        <pc:picChg chg="add mod">
+          <ac:chgData name="Robert C Scanlon" userId="87c65fe5-daa8-4da7-88d7-94f711cfd484" providerId="ADAL" clId="{FCBF4661-391E-394D-92F5-E1CE4094A0D1}" dt="2023-09-13T16:38:48.229" v="1312" actId="1076"/>
+          <ac:picMkLst>
+            <pc:docMk/>
+            <pc:sldMk cId="197126652" sldId="605"/>
+            <ac:picMk id="6" creationId="{A8D38066-0E62-9D20-4523-1B90387D39F3}"/>
+          </ac:picMkLst>
+        </pc:picChg>
+      </pc:sldChg>
+      <pc:sldChg chg="addSp modSp new mod">
+        <pc:chgData name="Robert C Scanlon" userId="87c65fe5-daa8-4da7-88d7-94f711cfd484" providerId="ADAL" clId="{FCBF4661-391E-394D-92F5-E1CE4094A0D1}" dt="2023-09-13T16:51:43.303" v="1332" actId="1076"/>
+        <pc:sldMkLst>
+          <pc:docMk/>
+          <pc:sldMk cId="3992311794" sldId="606"/>
+        </pc:sldMkLst>
+        <pc:spChg chg="mod">
+          <ac:chgData name="Robert C Scanlon" userId="87c65fe5-daa8-4da7-88d7-94f711cfd484" providerId="ADAL" clId="{FCBF4661-391E-394D-92F5-E1CE4094A0D1}" dt="2023-09-13T16:39:05.996" v="1318" actId="20577"/>
+          <ac:spMkLst>
+            <pc:docMk/>
+            <pc:sldMk cId="3992311794" sldId="606"/>
+            <ac:spMk id="3" creationId="{AEE98450-B81B-A902-411C-4DB57131EF9E}"/>
+          </ac:spMkLst>
+        </pc:spChg>
+        <pc:spChg chg="mod">
+          <ac:chgData name="Robert C Scanlon" userId="87c65fe5-daa8-4da7-88d7-94f711cfd484" providerId="ADAL" clId="{FCBF4661-391E-394D-92F5-E1CE4094A0D1}" dt="2023-09-13T16:29:19.014" v="494"/>
+          <ac:spMkLst>
+            <pc:docMk/>
+            <pc:sldMk cId="3992311794" sldId="606"/>
+            <ac:spMk id="4" creationId="{A06831B6-C8AF-FE87-642C-02EB15CA5601}"/>
+          </ac:spMkLst>
+        </pc:spChg>
+        <pc:spChg chg="add mod">
+          <ac:chgData name="Robert C Scanlon" userId="87c65fe5-daa8-4da7-88d7-94f711cfd484" providerId="ADAL" clId="{FCBF4661-391E-394D-92F5-E1CE4094A0D1}" dt="2023-09-13T16:47:00.340" v="1326" actId="1076"/>
+          <ac:spMkLst>
+            <pc:docMk/>
+            <pc:sldMk cId="3992311794" sldId="606"/>
+            <ac:spMk id="7" creationId="{F83DFDE2-797B-79D8-CD95-FE43AA2E6764}"/>
+          </ac:spMkLst>
+        </pc:spChg>
+        <pc:picChg chg="add mod">
+          <ac:chgData name="Robert C Scanlon" userId="87c65fe5-daa8-4da7-88d7-94f711cfd484" providerId="ADAL" clId="{FCBF4661-391E-394D-92F5-E1CE4094A0D1}" dt="2023-09-13T16:51:43.303" v="1332" actId="1076"/>
+          <ac:picMkLst>
+            <pc:docMk/>
+            <pc:sldMk cId="3992311794" sldId="606"/>
+            <ac:picMk id="6" creationId="{CCBF52B7-9DEE-76E8-BFF6-8F6168977737}"/>
+          </ac:picMkLst>
+        </pc:picChg>
+        <pc:picChg chg="add mod">
+          <ac:chgData name="Robert C Scanlon" userId="87c65fe5-daa8-4da7-88d7-94f711cfd484" providerId="ADAL" clId="{FCBF4661-391E-394D-92F5-E1CE4094A0D1}" dt="2023-09-13T16:51:43.303" v="1332" actId="1076"/>
+          <ac:picMkLst>
+            <pc:docMk/>
+            <pc:sldMk cId="3992311794" sldId="606"/>
+            <ac:picMk id="9" creationId="{DE6548E3-0EA7-5FEC-624C-D22F20E1B73B}"/>
+          </ac:picMkLst>
+        </pc:picChg>
+      </pc:sldChg>
+      <pc:sldChg chg="modSp new del mod">
+        <pc:chgData name="Robert C Scanlon" userId="87c65fe5-daa8-4da7-88d7-94f711cfd484" providerId="ADAL" clId="{FCBF4661-391E-394D-92F5-E1CE4094A0D1}" dt="2023-09-13T16:31:08.164" v="669" actId="2696"/>
+        <pc:sldMkLst>
+          <pc:docMk/>
+          <pc:sldMk cId="3385792055" sldId="607"/>
+        </pc:sldMkLst>
+        <pc:spChg chg="mod">
+          <ac:chgData name="Robert C Scanlon" userId="87c65fe5-daa8-4da7-88d7-94f711cfd484" providerId="ADAL" clId="{FCBF4661-391E-394D-92F5-E1CE4094A0D1}" dt="2023-09-13T16:29:44.317" v="526" actId="20577"/>
+          <ac:spMkLst>
+            <pc:docMk/>
+            <pc:sldMk cId="3385792055" sldId="607"/>
+            <ac:spMk id="3" creationId="{4BB8BFDC-D63C-B9AD-C581-EAB5FDD8B331}"/>
+          </ac:spMkLst>
+        </pc:spChg>
+        <pc:spChg chg="mod">
+          <ac:chgData name="Robert C Scanlon" userId="87c65fe5-daa8-4da7-88d7-94f711cfd484" providerId="ADAL" clId="{FCBF4661-391E-394D-92F5-E1CE4094A0D1}" dt="2023-09-13T16:30:31.921" v="654" actId="20577"/>
+          <ac:spMkLst>
+            <pc:docMk/>
+            <pc:sldMk cId="3385792055" sldId="607"/>
+            <ac:spMk id="4" creationId="{99F4C53F-E290-CC7F-25CD-C46242A27BAC}"/>
+          </ac:spMkLst>
+        </pc:spChg>
+      </pc:sldChg>
+    </pc:docChg>
+  </pc:docChgLst>
+  <pc:docChgLst>
+    <pc:chgData name="Robert C Scanlon" userId="S::rscanlon@mitre.org::87c65fe5-daa8-4da7-88d7-94f711cfd484" providerId="AD" clId="Web-{937CB29D-CCAF-11C3-380B-78610B7CD6AD}"/>
+    <pc:docChg chg="modSld">
+      <pc:chgData name="Robert C Scanlon" userId="S::rscanlon@mitre.org::87c65fe5-daa8-4da7-88d7-94f711cfd484" providerId="AD" clId="Web-{937CB29D-CCAF-11C3-380B-78610B7CD6AD}" dt="2023-06-14T15:47:56.312" v="320" actId="20577"/>
+      <pc:docMkLst>
+        <pc:docMk/>
+      </pc:docMkLst>
+      <pc:sldChg chg="modSp">
+        <pc:chgData name="Robert C Scanlon" userId="S::rscanlon@mitre.org::87c65fe5-daa8-4da7-88d7-94f711cfd484" providerId="AD" clId="Web-{937CB29D-CCAF-11C3-380B-78610B7CD6AD}" dt="2023-06-14T15:37:45.039" v="301" actId="20577"/>
+        <pc:sldMkLst>
+          <pc:docMk/>
+          <pc:sldMk cId="4021805368" sldId="554"/>
+        </pc:sldMkLst>
+        <pc:spChg chg="mod">
+          <ac:chgData name="Robert C Scanlon" userId="S::rscanlon@mitre.org::87c65fe5-daa8-4da7-88d7-94f711cfd484" providerId="AD" clId="Web-{937CB29D-CCAF-11C3-380B-78610B7CD6AD}" dt="2023-06-14T15:37:45.039" v="301" actId="20577"/>
+          <ac:spMkLst>
+            <pc:docMk/>
+            <pc:sldMk cId="4021805368" sldId="554"/>
+            <ac:spMk id="8" creationId="{48FEFF3A-93B4-45CF-0D21-DF2779AED5D5}"/>
+          </ac:spMkLst>
+        </pc:spChg>
+      </pc:sldChg>
+      <pc:sldChg chg="modSp">
+        <pc:chgData name="Robert C Scanlon" userId="S::rscanlon@mitre.org::87c65fe5-daa8-4da7-88d7-94f711cfd484" providerId="AD" clId="Web-{937CB29D-CCAF-11C3-380B-78610B7CD6AD}" dt="2023-06-14T15:31:10.847" v="2" actId="20577"/>
+        <pc:sldMkLst>
+          <pc:docMk/>
+          <pc:sldMk cId="3350996700" sldId="587"/>
+        </pc:sldMkLst>
+        <pc:spChg chg="mod">
+          <ac:chgData name="Robert C Scanlon" userId="S::rscanlon@mitre.org::87c65fe5-daa8-4da7-88d7-94f711cfd484" providerId="AD" clId="Web-{937CB29D-CCAF-11C3-380B-78610B7CD6AD}" dt="2023-06-14T15:31:10.847" v="2" actId="20577"/>
+          <ac:spMkLst>
+            <pc:docMk/>
+            <pc:sldMk cId="3350996700" sldId="587"/>
+            <ac:spMk id="4" creationId="{EBED5C87-358E-D829-7331-FE10D0F8655A}"/>
+          </ac:spMkLst>
+        </pc:spChg>
+      </pc:sldChg>
+      <pc:sldChg chg="modSp">
+        <pc:chgData name="Robert C Scanlon" userId="S::rscanlon@mitre.org::87c65fe5-daa8-4da7-88d7-94f711cfd484" providerId="AD" clId="Web-{937CB29D-CCAF-11C3-380B-78610B7CD6AD}" dt="2023-06-14T15:30:37.253" v="1" actId="20577"/>
+        <pc:sldMkLst>
+          <pc:docMk/>
+          <pc:sldMk cId="478789489" sldId="597"/>
+        </pc:sldMkLst>
+        <pc:spChg chg="mod">
+          <ac:chgData name="Robert C Scanlon" userId="S::rscanlon@mitre.org::87c65fe5-daa8-4da7-88d7-94f711cfd484" providerId="AD" clId="Web-{937CB29D-CCAF-11C3-380B-78610B7CD6AD}" dt="2023-06-14T15:30:37.253" v="1" actId="20577"/>
+          <ac:spMkLst>
+            <pc:docMk/>
+            <pc:sldMk cId="478789489" sldId="597"/>
+            <ac:spMk id="4" creationId="{017472AC-FB25-4E43-0937-FA5597FFD1C9}"/>
+          </ac:spMkLst>
+        </pc:spChg>
+      </pc:sldChg>
+      <pc:sldChg chg="modSp">
+        <pc:chgData name="Robert C Scanlon" userId="S::rscanlon@mitre.org::87c65fe5-daa8-4da7-88d7-94f711cfd484" providerId="AD" clId="Web-{937CB29D-CCAF-11C3-380B-78610B7CD6AD}" dt="2023-06-14T15:47:56.312" v="320" actId="20577"/>
+        <pc:sldMkLst>
+          <pc:docMk/>
+          <pc:sldMk cId="4204798997" sldId="598"/>
+        </pc:sldMkLst>
+        <pc:spChg chg="mod">
+          <ac:chgData name="Robert C Scanlon" userId="S::rscanlon@mitre.org::87c65fe5-daa8-4da7-88d7-94f711cfd484" providerId="AD" clId="Web-{937CB29D-CCAF-11C3-380B-78610B7CD6AD}" dt="2023-06-14T15:29:35.393" v="0" actId="20577"/>
+          <ac:spMkLst>
+            <pc:docMk/>
+            <pc:sldMk cId="4204798997" sldId="598"/>
+            <ac:spMk id="3" creationId="{BCE07320-2A8F-1BB5-23DA-B5346C915CF4}"/>
+          </ac:spMkLst>
+        </pc:spChg>
+        <pc:spChg chg="mod">
+          <ac:chgData name="Robert C Scanlon" userId="S::rscanlon@mitre.org::87c65fe5-daa8-4da7-88d7-94f711cfd484" providerId="AD" clId="Web-{937CB29D-CCAF-11C3-380B-78610B7CD6AD}" dt="2023-06-14T15:47:56.312" v="320" actId="20577"/>
+          <ac:spMkLst>
+            <pc:docMk/>
+            <pc:sldMk cId="4204798997" sldId="598"/>
+            <ac:spMk id="4" creationId="{06651D22-9509-BE22-6202-8EA67CFDAC6F}"/>
           </ac:spMkLst>
         </pc:spChg>
       </pc:sldChg>
@@ -2412,73 +2452,35 @@
     </pc:docChg>
   </pc:docChgLst>
   <pc:docChgLst>
-    <pc:chgData name="Robert C Scanlon" userId="S::rscanlon@mitre.org::87c65fe5-daa8-4da7-88d7-94f711cfd484" providerId="AD" clId="Web-{937CB29D-CCAF-11C3-380B-78610B7CD6AD}"/>
+    <pc:chgData name="Robert C Scanlon" userId="87c65fe5-daa8-4da7-88d7-94f711cfd484" providerId="ADAL" clId="{43376301-F4C7-C44F-B0BB-2E5568D7E544}"/>
     <pc:docChg chg="modSld">
-      <pc:chgData name="Robert C Scanlon" userId="S::rscanlon@mitre.org::87c65fe5-daa8-4da7-88d7-94f711cfd484" providerId="AD" clId="Web-{937CB29D-CCAF-11C3-380B-78610B7CD6AD}" dt="2023-06-14T15:47:56.312" v="320" actId="20577"/>
+      <pc:chgData name="Robert C Scanlon" userId="87c65fe5-daa8-4da7-88d7-94f711cfd484" providerId="ADAL" clId="{43376301-F4C7-C44F-B0BB-2E5568D7E544}" dt="2023-06-14T16:54:12.983" v="5" actId="20577"/>
       <pc:docMkLst>
         <pc:docMk/>
       </pc:docMkLst>
-      <pc:sldChg chg="modSp">
-        <pc:chgData name="Robert C Scanlon" userId="S::rscanlon@mitre.org::87c65fe5-daa8-4da7-88d7-94f711cfd484" providerId="AD" clId="Web-{937CB29D-CCAF-11C3-380B-78610B7CD6AD}" dt="2023-06-14T15:37:45.039" v="301" actId="20577"/>
+      <pc:sldChg chg="modSp mod">
+        <pc:chgData name="Robert C Scanlon" userId="87c65fe5-daa8-4da7-88d7-94f711cfd484" providerId="ADAL" clId="{43376301-F4C7-C44F-B0BB-2E5568D7E544}" dt="2023-06-14T16:53:42.263" v="3" actId="20577"/>
         <pc:sldMkLst>
           <pc:docMk/>
-          <pc:sldMk cId="4021805368" sldId="554"/>
+          <pc:sldMk cId="171403637" sldId="367"/>
         </pc:sldMkLst>
         <pc:spChg chg="mod">
-          <ac:chgData name="Robert C Scanlon" userId="S::rscanlon@mitre.org::87c65fe5-daa8-4da7-88d7-94f711cfd484" providerId="AD" clId="Web-{937CB29D-CCAF-11C3-380B-78610B7CD6AD}" dt="2023-06-14T15:37:45.039" v="301" actId="20577"/>
+          <ac:chgData name="Robert C Scanlon" userId="87c65fe5-daa8-4da7-88d7-94f711cfd484" providerId="ADAL" clId="{43376301-F4C7-C44F-B0BB-2E5568D7E544}" dt="2023-06-14T16:53:42.263" v="3" actId="20577"/>
           <ac:spMkLst>
             <pc:docMk/>
-            <pc:sldMk cId="4021805368" sldId="554"/>
-            <ac:spMk id="8" creationId="{48FEFF3A-93B4-45CF-0D21-DF2779AED5D5}"/>
+            <pc:sldMk cId="171403637" sldId="367"/>
+            <ac:spMk id="11" creationId="{F9B77AE9-225F-48B2-BA99-84435A6064AD}"/>
           </ac:spMkLst>
         </pc:spChg>
       </pc:sldChg>
-      <pc:sldChg chg="modSp">
-        <pc:chgData name="Robert C Scanlon" userId="S::rscanlon@mitre.org::87c65fe5-daa8-4da7-88d7-94f711cfd484" providerId="AD" clId="Web-{937CB29D-CCAF-11C3-380B-78610B7CD6AD}" dt="2023-06-14T15:31:10.847" v="2" actId="20577"/>
-        <pc:sldMkLst>
-          <pc:docMk/>
-          <pc:sldMk cId="3350996700" sldId="587"/>
-        </pc:sldMkLst>
-        <pc:spChg chg="mod">
-          <ac:chgData name="Robert C Scanlon" userId="S::rscanlon@mitre.org::87c65fe5-daa8-4da7-88d7-94f711cfd484" providerId="AD" clId="Web-{937CB29D-CCAF-11C3-380B-78610B7CD6AD}" dt="2023-06-14T15:31:10.847" v="2" actId="20577"/>
-          <ac:spMkLst>
-            <pc:docMk/>
-            <pc:sldMk cId="3350996700" sldId="587"/>
-            <ac:spMk id="4" creationId="{EBED5C87-358E-D829-7331-FE10D0F8655A}"/>
-          </ac:spMkLst>
-        </pc:spChg>
-      </pc:sldChg>
-      <pc:sldChg chg="modSp">
-        <pc:chgData name="Robert C Scanlon" userId="S::rscanlon@mitre.org::87c65fe5-daa8-4da7-88d7-94f711cfd484" providerId="AD" clId="Web-{937CB29D-CCAF-11C3-380B-78610B7CD6AD}" dt="2023-06-14T15:30:37.253" v="1" actId="20577"/>
-        <pc:sldMkLst>
-          <pc:docMk/>
-          <pc:sldMk cId="478789489" sldId="597"/>
-        </pc:sldMkLst>
-        <pc:spChg chg="mod">
-          <ac:chgData name="Robert C Scanlon" userId="S::rscanlon@mitre.org::87c65fe5-daa8-4da7-88d7-94f711cfd484" providerId="AD" clId="Web-{937CB29D-CCAF-11C3-380B-78610B7CD6AD}" dt="2023-06-14T15:30:37.253" v="1" actId="20577"/>
-          <ac:spMkLst>
-            <pc:docMk/>
-            <pc:sldMk cId="478789489" sldId="597"/>
-            <ac:spMk id="4" creationId="{017472AC-FB25-4E43-0937-FA5597FFD1C9}"/>
-          </ac:spMkLst>
-        </pc:spChg>
-      </pc:sldChg>
-      <pc:sldChg chg="modSp">
-        <pc:chgData name="Robert C Scanlon" userId="S::rscanlon@mitre.org::87c65fe5-daa8-4da7-88d7-94f711cfd484" providerId="AD" clId="Web-{937CB29D-CCAF-11C3-380B-78610B7CD6AD}" dt="2023-06-14T15:47:56.312" v="320" actId="20577"/>
+      <pc:sldChg chg="modSp mod">
+        <pc:chgData name="Robert C Scanlon" userId="87c65fe5-daa8-4da7-88d7-94f711cfd484" providerId="ADAL" clId="{43376301-F4C7-C44F-B0BB-2E5568D7E544}" dt="2023-06-14T16:54:12.983" v="5" actId="20577"/>
         <pc:sldMkLst>
           <pc:docMk/>
           <pc:sldMk cId="4204798997" sldId="598"/>
         </pc:sldMkLst>
         <pc:spChg chg="mod">
-          <ac:chgData name="Robert C Scanlon" userId="S::rscanlon@mitre.org::87c65fe5-daa8-4da7-88d7-94f711cfd484" providerId="AD" clId="Web-{937CB29D-CCAF-11C3-380B-78610B7CD6AD}" dt="2023-06-14T15:29:35.393" v="0" actId="20577"/>
-          <ac:spMkLst>
-            <pc:docMk/>
-            <pc:sldMk cId="4204798997" sldId="598"/>
-            <ac:spMk id="3" creationId="{BCE07320-2A8F-1BB5-23DA-B5346C915CF4}"/>
-          </ac:spMkLst>
-        </pc:spChg>
-        <pc:spChg chg="mod">
-          <ac:chgData name="Robert C Scanlon" userId="S::rscanlon@mitre.org::87c65fe5-daa8-4da7-88d7-94f711cfd484" providerId="AD" clId="Web-{937CB29D-CCAF-11C3-380B-78610B7CD6AD}" dt="2023-06-14T15:47:56.312" v="320" actId="20577"/>
+          <ac:chgData name="Robert C Scanlon" userId="87c65fe5-daa8-4da7-88d7-94f711cfd484" providerId="ADAL" clId="{43376301-F4C7-C44F-B0BB-2E5568D7E544}" dt="2023-06-14T16:54:12.983" v="5" actId="20577"/>
           <ac:spMkLst>
             <pc:docMk/>
             <pc:sldMk cId="4204798997" sldId="598"/>
@@ -2585,7 +2587,7 @@
           <a:p>
             <a:fld id="{B4318C28-50FE-4D62-AB0A-E3BC1C655C14}" type="datetimeFigureOut">
               <a:rPr lang="en-US" smtClean="0"/>
-              <a:t>12/13/23</a:t>
+              <a:t>12/28/23</a:t>
             </a:fld>
             <a:endParaRPr lang="en-US"/>
           </a:p>
@@ -2762,7 +2764,7 @@
           <a:p>
             <a:fld id="{EC3C951D-F095-0545-ACFB-1197D733EACA}" type="datetimeFigureOut">
               <a:rPr lang="en-US" smtClean="0"/>
-              <a:t>12/13/23</a:t>
+              <a:t>12/28/23</a:t>
             </a:fld>
             <a:endParaRPr lang="en-US"/>
           </a:p>
@@ -3104,6 +3106,90 @@
     <p:extLst>
       <p:ext uri="{BB962C8B-B14F-4D97-AF65-F5344CB8AC3E}">
         <p14:creationId xmlns:p14="http://schemas.microsoft.com/office/powerpoint/2010/main" val="3111502254"/>
+      </p:ext>
+    </p:extLst>
+  </p:cSld>
+  <p:clrMapOvr>
+    <a:masterClrMapping/>
+  </p:clrMapOvr>
+</p:notes>
+</file>
+
+<file path=ppt/notesSlides/notesSlide2.xml><?xml version="1.0" encoding="utf-8"?>
+<p:notes xmlns:a="http://schemas.openxmlformats.org/drawingml/2006/main" xmlns:r="http://schemas.openxmlformats.org/officeDocument/2006/relationships" xmlns:p="http://schemas.openxmlformats.org/presentationml/2006/main">
+  <p:cSld>
+    <p:spTree>
+      <p:nvGrpSpPr>
+        <p:cNvPr id="1" name=""/>
+        <p:cNvGrpSpPr/>
+        <p:nvPr/>
+      </p:nvGrpSpPr>
+      <p:grpSpPr>
+        <a:xfrm>
+          <a:off x="0" y="0"/>
+          <a:ext cx="0" cy="0"/>
+          <a:chOff x="0" y="0"/>
+          <a:chExt cx="0" cy="0"/>
+        </a:xfrm>
+      </p:grpSpPr>
+      <p:sp>
+        <p:nvSpPr>
+          <p:cNvPr id="2" name="Slide Image Placeholder 1"/>
+          <p:cNvSpPr>
+            <a:spLocks noGrp="1" noRot="1" noChangeAspect="1"/>
+          </p:cNvSpPr>
+          <p:nvPr>
+            <p:ph type="sldImg"/>
+          </p:nvPr>
+        </p:nvSpPr>
+        <p:spPr/>
+      </p:sp>
+      <p:sp>
+        <p:nvSpPr>
+          <p:cNvPr id="3" name="Notes Placeholder 2"/>
+          <p:cNvSpPr>
+            <a:spLocks noGrp="1"/>
+          </p:cNvSpPr>
+          <p:nvPr>
+            <p:ph type="body" idx="1"/>
+          </p:nvPr>
+        </p:nvSpPr>
+        <p:spPr/>
+        <p:txBody>
+          <a:bodyPr/>
+          <a:lstStyle/>
+          <a:p>
+            <a:endParaRPr lang="en-US" dirty="0"/>
+          </a:p>
+        </p:txBody>
+      </p:sp>
+      <p:sp>
+        <p:nvSpPr>
+          <p:cNvPr id="4" name="Slide Number Placeholder 3"/>
+          <p:cNvSpPr>
+            <a:spLocks noGrp="1"/>
+          </p:cNvSpPr>
+          <p:nvPr>
+            <p:ph type="sldNum" sz="quarter" idx="5"/>
+          </p:nvPr>
+        </p:nvSpPr>
+        <p:spPr/>
+        <p:txBody>
+          <a:bodyPr/>
+          <a:lstStyle/>
+          <a:p>
+            <a:fld id="{363DA6FE-9131-A440-8654-6B8559CB7F0A}" type="slidenum">
+              <a:rPr lang="en-US" smtClean="0"/>
+              <a:t>11</a:t>
+            </a:fld>
+            <a:endParaRPr lang="en-US"/>
+          </a:p>
+        </p:txBody>
+      </p:sp>
+    </p:spTree>
+    <p:extLst>
+      <p:ext uri="{BB962C8B-B14F-4D97-AF65-F5344CB8AC3E}">
+        <p14:creationId xmlns:p14="http://schemas.microsoft.com/office/powerpoint/2010/main" val="392257480"/>
       </p:ext>
     </p:extLst>
   </p:cSld>
@@ -26843,6 +26929,351 @@
     <p:extLst>
       <p:ext uri="{BB962C8B-B14F-4D97-AF65-F5344CB8AC3E}">
         <p14:creationId xmlns:p14="http://schemas.microsoft.com/office/powerpoint/2010/main" val="2774878609"/>
+      </p:ext>
+    </p:extLst>
+  </p:cSld>
+  <p:clrMapOvr>
+    <a:masterClrMapping/>
+  </p:clrMapOvr>
+</p:sld>
+</file>
+
+<file path=ppt/slides/slide11.xml><?xml version="1.0" encoding="utf-8"?>
+<p:sld xmlns:a="http://schemas.openxmlformats.org/drawingml/2006/main" xmlns:r="http://schemas.openxmlformats.org/officeDocument/2006/relationships" xmlns:p="http://schemas.openxmlformats.org/presentationml/2006/main">
+  <p:cSld>
+    <p:spTree>
+      <p:nvGrpSpPr>
+        <p:cNvPr id="1" name=""/>
+        <p:cNvGrpSpPr/>
+        <p:nvPr/>
+      </p:nvGrpSpPr>
+      <p:grpSpPr>
+        <a:xfrm>
+          <a:off x="0" y="0"/>
+          <a:ext cx="0" cy="0"/>
+          <a:chOff x="0" y="0"/>
+          <a:chExt cx="0" cy="0"/>
+        </a:xfrm>
+      </p:grpSpPr>
+      <p:sp>
+        <p:nvSpPr>
+          <p:cNvPr id="2" name="Slide Number Placeholder 1">
+            <a:extLst>
+              <a:ext uri="{FF2B5EF4-FFF2-40B4-BE49-F238E27FC236}">
+                <a16:creationId xmlns:a16="http://schemas.microsoft.com/office/drawing/2014/main" id="{403CAC34-752E-04CD-0B63-4F046A16E0C0}"/>
+              </a:ext>
+            </a:extLst>
+          </p:cNvPr>
+          <p:cNvSpPr>
+            <a:spLocks noGrp="1"/>
+          </p:cNvSpPr>
+          <p:nvPr>
+            <p:ph type="sldNum" sz="quarter" idx="11"/>
+          </p:nvPr>
+        </p:nvSpPr>
+        <p:spPr/>
+        <p:txBody>
+          <a:bodyPr/>
+          <a:lstStyle/>
+          <a:p>
+            <a:fld id="{2F2F552B-1952-B44E-8CAB-5705F0ACD2E2}" type="slidenum">
+              <a:rPr lang="uk-UA" smtClean="0"/>
+              <a:pPr/>
+              <a:t>11</a:t>
+            </a:fld>
+            <a:endParaRPr lang="uk-UA"/>
+          </a:p>
+        </p:txBody>
+      </p:sp>
+      <p:sp>
+        <p:nvSpPr>
+          <p:cNvPr id="4" name="Content Placeholder 3">
+            <a:extLst>
+              <a:ext uri="{FF2B5EF4-FFF2-40B4-BE49-F238E27FC236}">
+                <a16:creationId xmlns:a16="http://schemas.microsoft.com/office/drawing/2014/main" id="{5035CA03-E426-FB7B-E001-B7518043C71D}"/>
+              </a:ext>
+            </a:extLst>
+          </p:cNvPr>
+          <p:cNvSpPr>
+            <a:spLocks noGrp="1"/>
+          </p:cNvSpPr>
+          <p:nvPr>
+            <p:ph sz="quarter" idx="12"/>
+          </p:nvPr>
+        </p:nvSpPr>
+        <p:spPr>
+          <a:xfrm>
+            <a:off x="457200" y="256559"/>
+            <a:ext cx="11277600" cy="6004756"/>
+          </a:xfrm>
+        </p:spPr>
+        <p:txBody>
+          <a:bodyPr anchor="ctr"/>
+          <a:lstStyle/>
+          <a:p>
+            <a:pPr marL="231775" marR="0" indent="0" algn="ctr">
+              <a:spcBef>
+                <a:spcPts val="0"/>
+              </a:spcBef>
+              <a:spcAft>
+                <a:spcPts val="0"/>
+              </a:spcAft>
+              <a:buNone/>
+            </a:pPr>
+            <a:r>
+              <a:rPr lang="en-US" sz="1800" b="1" dirty="0">
+                <a:effectLst/>
+                <a:latin typeface="Times"/>
+                <a:ea typeface="Times New Roman" panose="02020603050405020304" pitchFamily="18" charset="0"/>
+                <a:cs typeface="Times New Roman" panose="02020603050405020304" pitchFamily="18" charset="0"/>
+              </a:rPr>
+              <a:t>NOTICE</a:t>
+            </a:r>
+            <a:endParaRPr lang="en-US" sz="1800" dirty="0">
+              <a:effectLst/>
+              <a:latin typeface="Times New Roman" panose="02020603050405020304" pitchFamily="18" charset="0"/>
+              <a:ea typeface="Times New Roman" panose="02020603050405020304" pitchFamily="18" charset="0"/>
+            </a:endParaRPr>
+          </a:p>
+          <a:p>
+            <a:pPr marL="231775" marR="0" indent="0" algn="ctr">
+              <a:spcBef>
+                <a:spcPts val="0"/>
+              </a:spcBef>
+              <a:spcAft>
+                <a:spcPts val="0"/>
+              </a:spcAft>
+              <a:buNone/>
+            </a:pPr>
+            <a:r>
+              <a:rPr lang="en-US" sz="1800" b="1" dirty="0">
+                <a:effectLst/>
+                <a:latin typeface="Times"/>
+                <a:ea typeface="Times New Roman" panose="02020603050405020304" pitchFamily="18" charset="0"/>
+                <a:cs typeface="Times New Roman" panose="02020603050405020304" pitchFamily="18" charset="0"/>
+              </a:rPr>
+              <a:t> </a:t>
+            </a:r>
+            <a:endParaRPr lang="en-US" sz="1800" dirty="0">
+              <a:effectLst/>
+              <a:latin typeface="Times New Roman" panose="02020603050405020304" pitchFamily="18" charset="0"/>
+              <a:ea typeface="Times New Roman" panose="02020603050405020304" pitchFamily="18" charset="0"/>
+            </a:endParaRPr>
+          </a:p>
+          <a:p>
+            <a:pPr marL="231775" marR="0" indent="0" algn="just">
+              <a:spcBef>
+                <a:spcPts val="0"/>
+              </a:spcBef>
+              <a:spcAft>
+                <a:spcPts val="0"/>
+              </a:spcAft>
+              <a:buNone/>
+            </a:pPr>
+            <a:r>
+              <a:rPr lang="en-US" sz="1800" dirty="0">
+                <a:effectLst/>
+                <a:latin typeface="Times"/>
+                <a:ea typeface="Times New Roman" panose="02020603050405020304" pitchFamily="18" charset="0"/>
+                <a:cs typeface="Times New Roman" panose="02020603050405020304" pitchFamily="18" charset="0"/>
+              </a:rPr>
+              <a:t>This technical data was produced for the U. S. Government under Contract Number 75FCMC18D0047, and is subject to Federal Acquisition Regulation Clause 52.227-14, Rights in Data-General.  </a:t>
+            </a:r>
+            <a:endParaRPr lang="en-US" sz="1800" dirty="0">
+              <a:effectLst/>
+              <a:latin typeface="Times New Roman" panose="02020603050405020304" pitchFamily="18" charset="0"/>
+              <a:ea typeface="Times New Roman" panose="02020603050405020304" pitchFamily="18" charset="0"/>
+            </a:endParaRPr>
+          </a:p>
+          <a:p>
+            <a:pPr marL="231775" marR="0" indent="0" algn="just">
+              <a:spcBef>
+                <a:spcPts val="0"/>
+              </a:spcBef>
+              <a:spcAft>
+                <a:spcPts val="0"/>
+              </a:spcAft>
+              <a:buNone/>
+            </a:pPr>
+            <a:r>
+              <a:rPr lang="en-US" sz="1800" dirty="0">
+                <a:effectLst/>
+                <a:latin typeface="Times"/>
+                <a:ea typeface="Times New Roman" panose="02020603050405020304" pitchFamily="18" charset="0"/>
+                <a:cs typeface="Times New Roman" panose="02020603050405020304" pitchFamily="18" charset="0"/>
+              </a:rPr>
+              <a:t> </a:t>
+            </a:r>
+            <a:endParaRPr lang="en-US" sz="1800" dirty="0">
+              <a:effectLst/>
+              <a:latin typeface="Times New Roman" panose="02020603050405020304" pitchFamily="18" charset="0"/>
+              <a:ea typeface="Times New Roman" panose="02020603050405020304" pitchFamily="18" charset="0"/>
+            </a:endParaRPr>
+          </a:p>
+          <a:p>
+            <a:pPr marL="231775" marR="0" indent="0" algn="just">
+              <a:spcBef>
+                <a:spcPts val="0"/>
+              </a:spcBef>
+              <a:spcAft>
+                <a:spcPts val="0"/>
+              </a:spcAft>
+              <a:buNone/>
+            </a:pPr>
+            <a:r>
+              <a:rPr lang="en-US" sz="1800" dirty="0">
+                <a:effectLst/>
+                <a:latin typeface="Times"/>
+                <a:ea typeface="Times New Roman" panose="02020603050405020304" pitchFamily="18" charset="0"/>
+                <a:cs typeface="Times New Roman" panose="02020603050405020304" pitchFamily="18" charset="0"/>
+              </a:rPr>
+              <a:t>No other use other than that granted to the U. S. Government, or to those acting on behalf of the U. S. Government under that Clause is authorized without the express written permission of The MITRE Corporation. </a:t>
+            </a:r>
+            <a:endParaRPr lang="en-US" sz="1800" dirty="0">
+              <a:effectLst/>
+              <a:latin typeface="Times New Roman" panose="02020603050405020304" pitchFamily="18" charset="0"/>
+              <a:ea typeface="Times New Roman" panose="02020603050405020304" pitchFamily="18" charset="0"/>
+            </a:endParaRPr>
+          </a:p>
+          <a:p>
+            <a:pPr marL="231775" marR="0" indent="0" algn="just">
+              <a:spcBef>
+                <a:spcPts val="0"/>
+              </a:spcBef>
+              <a:spcAft>
+                <a:spcPts val="0"/>
+              </a:spcAft>
+              <a:buNone/>
+            </a:pPr>
+            <a:r>
+              <a:rPr lang="en-US" sz="1800" dirty="0">
+                <a:effectLst/>
+                <a:latin typeface="Times"/>
+                <a:ea typeface="Times New Roman" panose="02020603050405020304" pitchFamily="18" charset="0"/>
+                <a:cs typeface="Times New Roman" panose="02020603050405020304" pitchFamily="18" charset="0"/>
+              </a:rPr>
+              <a:t> </a:t>
+            </a:r>
+            <a:endParaRPr lang="en-US" sz="1800" dirty="0">
+              <a:effectLst/>
+              <a:latin typeface="Times New Roman" panose="02020603050405020304" pitchFamily="18" charset="0"/>
+              <a:ea typeface="Times New Roman" panose="02020603050405020304" pitchFamily="18" charset="0"/>
+            </a:endParaRPr>
+          </a:p>
+          <a:p>
+            <a:pPr marL="231775" marR="0" indent="0" algn="just">
+              <a:spcBef>
+                <a:spcPts val="0"/>
+              </a:spcBef>
+              <a:spcAft>
+                <a:spcPts val="0"/>
+              </a:spcAft>
+              <a:buNone/>
+            </a:pPr>
+            <a:r>
+              <a:rPr lang="en-US" sz="1800" dirty="0">
+                <a:effectLst/>
+                <a:latin typeface="Times"/>
+                <a:ea typeface="Times New Roman" panose="02020603050405020304" pitchFamily="18" charset="0"/>
+                <a:cs typeface="Times New Roman" panose="02020603050405020304" pitchFamily="18" charset="0"/>
+              </a:rPr>
+              <a:t>For further information, please contact The MITRE Corporation, Contracts Management Office, 7515 </a:t>
+            </a:r>
+            <a:r>
+              <a:rPr lang="en-US" sz="1800" dirty="0" err="1">
+                <a:effectLst/>
+                <a:latin typeface="Times"/>
+                <a:ea typeface="Times New Roman" panose="02020603050405020304" pitchFamily="18" charset="0"/>
+                <a:cs typeface="Times New Roman" panose="02020603050405020304" pitchFamily="18" charset="0"/>
+              </a:rPr>
+              <a:t>Colshire</a:t>
+            </a:r>
+            <a:r>
+              <a:rPr lang="en-US" sz="1800" dirty="0">
+                <a:effectLst/>
+                <a:latin typeface="Times"/>
+                <a:ea typeface="Times New Roman" panose="02020603050405020304" pitchFamily="18" charset="0"/>
+                <a:cs typeface="Times New Roman" panose="02020603050405020304" pitchFamily="18" charset="0"/>
+              </a:rPr>
+              <a:t> Drive, McLean, VA  22102-7539, (703) 983-6000.  </a:t>
+            </a:r>
+            <a:endParaRPr lang="en-US" sz="1800" dirty="0">
+              <a:effectLst/>
+              <a:latin typeface="Times New Roman" panose="02020603050405020304" pitchFamily="18" charset="0"/>
+              <a:ea typeface="Times New Roman" panose="02020603050405020304" pitchFamily="18" charset="0"/>
+            </a:endParaRPr>
+          </a:p>
+          <a:p>
+            <a:pPr marL="231775" marR="0" indent="0">
+              <a:spcBef>
+                <a:spcPts val="0"/>
+              </a:spcBef>
+              <a:spcAft>
+                <a:spcPts val="0"/>
+              </a:spcAft>
+              <a:buNone/>
+            </a:pPr>
+            <a:r>
+              <a:rPr lang="en-US" sz="1800" dirty="0">
+                <a:effectLst/>
+                <a:latin typeface="Times"/>
+                <a:ea typeface="Times New Roman" panose="02020603050405020304" pitchFamily="18" charset="0"/>
+                <a:cs typeface="Times New Roman" panose="02020603050405020304" pitchFamily="18" charset="0"/>
+              </a:rPr>
+              <a:t> </a:t>
+            </a:r>
+            <a:endParaRPr lang="en-US" sz="1800" dirty="0">
+              <a:effectLst/>
+              <a:latin typeface="Times New Roman" panose="02020603050405020304" pitchFamily="18" charset="0"/>
+              <a:ea typeface="Times New Roman" panose="02020603050405020304" pitchFamily="18" charset="0"/>
+            </a:endParaRPr>
+          </a:p>
+          <a:p>
+            <a:pPr marL="231775" marR="0" indent="0" algn="ctr">
+              <a:spcBef>
+                <a:spcPts val="0"/>
+              </a:spcBef>
+              <a:spcAft>
+                <a:spcPts val="0"/>
+              </a:spcAft>
+              <a:buNone/>
+            </a:pPr>
+            <a:r>
+              <a:rPr lang="en-US" sz="1800" b="1" u="sng" dirty="0">
+                <a:effectLst/>
+                <a:latin typeface="Times"/>
+                <a:ea typeface="Times New Roman" panose="02020603050405020304" pitchFamily="18" charset="0"/>
+                <a:sym typeface="Symbol" pitchFamily="2" charset="2"/>
+              </a:rPr>
+              <a:t></a:t>
+            </a:r>
+            <a:r>
+              <a:rPr lang="en-US" sz="1800" b="1" u="sng" dirty="0">
+                <a:effectLst/>
+                <a:latin typeface="Times"/>
+                <a:ea typeface="Times New Roman" panose="02020603050405020304" pitchFamily="18" charset="0"/>
+                <a:cs typeface="Times New Roman" panose="02020603050405020304" pitchFamily="18" charset="0"/>
+              </a:rPr>
+              <a:t> 2023 The MITRE Corporation.</a:t>
+            </a:r>
+            <a:endParaRPr lang="en-US" sz="1800" dirty="0">
+              <a:effectLst/>
+              <a:latin typeface="Times New Roman" panose="02020603050405020304" pitchFamily="18" charset="0"/>
+              <a:ea typeface="Times New Roman" panose="02020603050405020304" pitchFamily="18" charset="0"/>
+            </a:endParaRPr>
+          </a:p>
+          <a:p>
+            <a:pPr marL="0" indent="0">
+              <a:buNone/>
+            </a:pPr>
+            <a:endParaRPr lang="en-US" dirty="0"/>
+          </a:p>
+        </p:txBody>
+      </p:sp>
+    </p:spTree>
+    <p:extLst>
+      <p:ext uri="{BB962C8B-B14F-4D97-AF65-F5344CB8AC3E}">
+        <p14:creationId xmlns:p14="http://schemas.microsoft.com/office/powerpoint/2010/main" val="65221876"/>
       </p:ext>
     </p:extLst>
   </p:cSld>
@@ -30031,15 +30462,6 @@
 </file>
 
 <file path=customXml/item2.xml><?xml version="1.0" encoding="utf-8"?>
-<?mso-contentType ?>
-<FormTemplates xmlns="http://schemas.microsoft.com/sharepoint/v3/contenttype/forms">
-  <Display>DocumentLibraryForm</Display>
-  <Edit>DocumentLibraryForm</Edit>
-  <New>DocumentLibraryForm</New>
-</FormTemplates>
-</file>
-
-<file path=customXml/item3.xml><?xml version="1.0" encoding="utf-8"?>
 <p:properties xmlns:p="http://schemas.microsoft.com/office/2006/metadata/properties" xmlns:xsi="http://www.w3.org/2001/XMLSchema-instance" xmlns:pc="http://schemas.microsoft.com/office/infopath/2007/PartnerControls">
   <documentManagement>
     <Description xmlns="eebd8b74-b9de-41b2-9247-c010c4973c2b" xsi:nil="true"/>
@@ -30052,6 +30474,15 @@
     </SharedWithUsers>
   </documentManagement>
 </p:properties>
+</file>
+
+<file path=customXml/item3.xml><?xml version="1.0" encoding="utf-8"?>
+<?mso-contentType ?>
+<FormTemplates xmlns="http://schemas.microsoft.com/sharepoint/v3/contenttype/forms">
+  <Display>DocumentLibraryForm</Display>
+  <Edit>DocumentLibraryForm</Edit>
+  <New>DocumentLibraryForm</New>
+</FormTemplates>
 </file>
 
 <file path=customXml/itemProps1.xml><?xml version="1.0" encoding="utf-8"?>
@@ -30074,14 +30505,6 @@
 </file>
 
 <file path=customXml/itemProps2.xml><?xml version="1.0" encoding="utf-8"?>
-<ds:datastoreItem xmlns:ds="http://schemas.openxmlformats.org/officeDocument/2006/customXml" ds:itemID="{F75499B4-9E7A-45F1-9440-1243E44787B5}">
-  <ds:schemaRefs>
-    <ds:schemaRef ds:uri="http://schemas.microsoft.com/sharepoint/v3/contenttype/forms"/>
-  </ds:schemaRefs>
-</ds:datastoreItem>
-</file>
-
-<file path=customXml/itemProps3.xml><?xml version="1.0" encoding="utf-8"?>
 <ds:datastoreItem xmlns:ds="http://schemas.openxmlformats.org/officeDocument/2006/customXml" ds:itemID="{BDCEB03D-D58C-4A0F-A7F4-DC4EACB322EC}">
   <ds:schemaRefs>
     <ds:schemaRef ds:uri="http://purl.org/dc/dcmitype/"/>
@@ -30096,4 +30519,12 @@
     <ds:schemaRef ds:uri="http://schemas.microsoft.com/office/2006/metadata/properties"/>
   </ds:schemaRefs>
 </ds:datastoreItem>
+</file>
+
+<file path=customXml/itemProps3.xml><?xml version="1.0" encoding="utf-8"?>
+<ds:datastoreItem xmlns:ds="http://schemas.openxmlformats.org/officeDocument/2006/customXml" ds:itemID="{F75499B4-9E7A-45F1-9440-1243E44787B5}">
+  <ds:schemaRefs>
+    <ds:schemaRef ds:uri="http://schemas.microsoft.com/sharepoint/v3/contenttype/forms"/>
+  </ds:schemaRefs>
+</ds:datastoreItem>
 </file>